--- a/个性化ACM选手CodeForces题目推荐系统报告.pptx
+++ b/个性化ACM选手CodeForces题目推荐系统报告.pptx
@@ -2,8 +2,11 @@
 <file path=ppt/presentation.xml><?xml version="1.0" encoding="utf-8"?>
 <p:presentation xmlns:a="http://schemas.openxmlformats.org/drawingml/2006/main" xmlns:r="http://schemas.openxmlformats.org/officeDocument/2006/relationships" xmlns:p="http://schemas.openxmlformats.org/presentationml/2006/main" saveSubsetFonts="1">
   <p:sldMasterIdLst>
-    <p:sldMasterId id="2147483660" r:id="rId1"/>
+    <p:sldMasterId id="2147483694" r:id="rId1"/>
   </p:sldMasterIdLst>
+  <p:notesMasterIdLst>
+    <p:notesMasterId r:id="rId17"/>
+  </p:notesMasterIdLst>
   <p:sldIdLst>
     <p:sldId id="256" r:id="rId2"/>
     <p:sldId id="257" r:id="rId3"/>
@@ -25,9 +28,9 @@
   <p:notesSz cx="6858000" cy="9144000"/>
   <p:defaultTextStyle>
     <a:defPPr>
-      <a:defRPr lang="zh-CN"/>
+      <a:defRPr lang="en-US"/>
     </a:defPPr>
-    <a:lvl1pPr marL="0" algn="l" defTabSz="914400" rtl="0" eaLnBrk="1" latinLnBrk="0" hangingPunct="1">
+    <a:lvl1pPr marL="0" algn="l" defTabSz="457200" rtl="0" eaLnBrk="1" latinLnBrk="0" hangingPunct="1">
       <a:defRPr sz="1800" kern="1200">
         <a:solidFill>
           <a:schemeClr val="tx1"/>
@@ -37,7 +40,7 @@
         <a:cs typeface="+mn-cs"/>
       </a:defRPr>
     </a:lvl1pPr>
-    <a:lvl2pPr marL="457200" algn="l" defTabSz="914400" rtl="0" eaLnBrk="1" latinLnBrk="0" hangingPunct="1">
+    <a:lvl2pPr marL="457200" algn="l" defTabSz="457200" rtl="0" eaLnBrk="1" latinLnBrk="0" hangingPunct="1">
       <a:defRPr sz="1800" kern="1200">
         <a:solidFill>
           <a:schemeClr val="tx1"/>
@@ -47,7 +50,7 @@
         <a:cs typeface="+mn-cs"/>
       </a:defRPr>
     </a:lvl2pPr>
-    <a:lvl3pPr marL="914400" algn="l" defTabSz="914400" rtl="0" eaLnBrk="1" latinLnBrk="0" hangingPunct="1">
+    <a:lvl3pPr marL="914400" algn="l" defTabSz="457200" rtl="0" eaLnBrk="1" latinLnBrk="0" hangingPunct="1">
       <a:defRPr sz="1800" kern="1200">
         <a:solidFill>
           <a:schemeClr val="tx1"/>
@@ -57,7 +60,7 @@
         <a:cs typeface="+mn-cs"/>
       </a:defRPr>
     </a:lvl3pPr>
-    <a:lvl4pPr marL="1371600" algn="l" defTabSz="914400" rtl="0" eaLnBrk="1" latinLnBrk="0" hangingPunct="1">
+    <a:lvl4pPr marL="1371600" algn="l" defTabSz="457200" rtl="0" eaLnBrk="1" latinLnBrk="0" hangingPunct="1">
       <a:defRPr sz="1800" kern="1200">
         <a:solidFill>
           <a:schemeClr val="tx1"/>
@@ -67,7 +70,7 @@
         <a:cs typeface="+mn-cs"/>
       </a:defRPr>
     </a:lvl4pPr>
-    <a:lvl5pPr marL="1828800" algn="l" defTabSz="914400" rtl="0" eaLnBrk="1" latinLnBrk="0" hangingPunct="1">
+    <a:lvl5pPr marL="1828800" algn="l" defTabSz="457200" rtl="0" eaLnBrk="1" latinLnBrk="0" hangingPunct="1">
       <a:defRPr sz="1800" kern="1200">
         <a:solidFill>
           <a:schemeClr val="tx1"/>
@@ -77,7 +80,7 @@
         <a:cs typeface="+mn-cs"/>
       </a:defRPr>
     </a:lvl5pPr>
-    <a:lvl6pPr marL="2286000" algn="l" defTabSz="914400" rtl="0" eaLnBrk="1" latinLnBrk="0" hangingPunct="1">
+    <a:lvl6pPr marL="2286000" algn="l" defTabSz="457200" rtl="0" eaLnBrk="1" latinLnBrk="0" hangingPunct="1">
       <a:defRPr sz="1800" kern="1200">
         <a:solidFill>
           <a:schemeClr val="tx1"/>
@@ -87,7 +90,7 @@
         <a:cs typeface="+mn-cs"/>
       </a:defRPr>
     </a:lvl6pPr>
-    <a:lvl7pPr marL="2743200" algn="l" defTabSz="914400" rtl="0" eaLnBrk="1" latinLnBrk="0" hangingPunct="1">
+    <a:lvl7pPr marL="2743200" algn="l" defTabSz="457200" rtl="0" eaLnBrk="1" latinLnBrk="0" hangingPunct="1">
       <a:defRPr sz="1800" kern="1200">
         <a:solidFill>
           <a:schemeClr val="tx1"/>
@@ -97,7 +100,7 @@
         <a:cs typeface="+mn-cs"/>
       </a:defRPr>
     </a:lvl7pPr>
-    <a:lvl8pPr marL="3200400" algn="l" defTabSz="914400" rtl="0" eaLnBrk="1" latinLnBrk="0" hangingPunct="1">
+    <a:lvl8pPr marL="3200400" algn="l" defTabSz="457200" rtl="0" eaLnBrk="1" latinLnBrk="0" hangingPunct="1">
       <a:defRPr sz="1800" kern="1200">
         <a:solidFill>
           <a:schemeClr val="tx1"/>
@@ -107,7 +110,7 @@
         <a:cs typeface="+mn-cs"/>
       </a:defRPr>
     </a:lvl8pPr>
-    <a:lvl9pPr marL="3657600" algn="l" defTabSz="914400" rtl="0" eaLnBrk="1" latinLnBrk="0" hangingPunct="1">
+    <a:lvl9pPr marL="3657600" algn="l" defTabSz="457200" rtl="0" eaLnBrk="1" latinLnBrk="0" hangingPunct="1">
       <a:defRPr sz="1800" kern="1200">
         <a:solidFill>
           <a:schemeClr val="tx1"/>
@@ -131,25 +134,18 @@
   <pc:docChgLst>
     <pc:chgData name="吴凯" userId="f50f5c7f48ac5e51" providerId="LiveId" clId="{8C411FE4-1B80-4ED1-99C7-1FBD1AFC39A6}"/>
     <pc:docChg chg="undo custSel addSld delSld modSld sldOrd">
-      <pc:chgData name="吴凯" userId="f50f5c7f48ac5e51" providerId="LiveId" clId="{8C411FE4-1B80-4ED1-99C7-1FBD1AFC39A6}" dt="2018-05-23T01:39:17.694" v="2017" actId="1076"/>
+      <pc:chgData name="吴凯" userId="f50f5c7f48ac5e51" providerId="LiveId" clId="{8C411FE4-1B80-4ED1-99C7-1FBD1AFC39A6}" dt="2018-05-27T06:04:58.999" v="2019" actId="20577"/>
       <pc:docMkLst>
         <pc:docMk/>
       </pc:docMkLst>
-      <pc:sldChg chg="del">
-        <pc:chgData name="吴凯" userId="f50f5c7f48ac5e51" providerId="LiveId" clId="{8C411FE4-1B80-4ED1-99C7-1FBD1AFC39A6}" dt="2018-05-22T13:36:43.460" v="37" actId="2696"/>
-        <pc:sldMkLst>
-          <pc:docMk/>
-          <pc:sldMk cId="3035498064" sldId="262"/>
-        </pc:sldMkLst>
-      </pc:sldChg>
       <pc:sldChg chg="modSp">
-        <pc:chgData name="吴凯" userId="f50f5c7f48ac5e51" providerId="LiveId" clId="{8C411FE4-1B80-4ED1-99C7-1FBD1AFC39A6}" dt="2018-05-22T13:36:27.767" v="36"/>
+        <pc:chgData name="吴凯" userId="f50f5c7f48ac5e51" providerId="LiveId" clId="{8C411FE4-1B80-4ED1-99C7-1FBD1AFC39A6}" dt="2018-05-22T13:36:27.767" v="36" actId="1076"/>
         <pc:sldMkLst>
           <pc:docMk/>
           <pc:sldMk cId="4121989516" sldId="263"/>
         </pc:sldMkLst>
         <pc:spChg chg="mod">
-          <ac:chgData name="吴凯" userId="f50f5c7f48ac5e51" providerId="LiveId" clId="{8C411FE4-1B80-4ED1-99C7-1FBD1AFC39A6}" dt="2018-05-22T13:35:19.963" v="5"/>
+          <ac:chgData name="吴凯" userId="f50f5c7f48ac5e51" providerId="LiveId" clId="{8C411FE4-1B80-4ED1-99C7-1FBD1AFC39A6}" dt="2018-05-22T13:35:19.963" v="5" actId="1076"/>
           <ac:spMkLst>
             <pc:docMk/>
             <pc:sldMk cId="4121989516" sldId="263"/>
@@ -157,26 +153,11 @@
           </ac:spMkLst>
         </pc:spChg>
         <pc:spChg chg="mod">
-          <ac:chgData name="吴凯" userId="f50f5c7f48ac5e51" providerId="LiveId" clId="{8C411FE4-1B80-4ED1-99C7-1FBD1AFC39A6}" dt="2018-05-22T13:36:27.767" v="36"/>
+          <ac:chgData name="吴凯" userId="f50f5c7f48ac5e51" providerId="LiveId" clId="{8C411FE4-1B80-4ED1-99C7-1FBD1AFC39A6}" dt="2018-05-22T13:36:27.767" v="36" actId="1076"/>
           <ac:spMkLst>
             <pc:docMk/>
             <pc:sldMk cId="4121989516" sldId="263"/>
             <ac:spMk id="3" creationId="{00000000-0000-0000-0000-000000000000}"/>
-          </ac:spMkLst>
-        </pc:spChg>
-      </pc:sldChg>
-      <pc:sldChg chg="modSp del">
-        <pc:chgData name="吴凯" userId="f50f5c7f48ac5e51" providerId="LiveId" clId="{8C411FE4-1B80-4ED1-99C7-1FBD1AFC39A6}" dt="2018-05-22T13:40:14.829" v="62" actId="2696"/>
-        <pc:sldMkLst>
-          <pc:docMk/>
-          <pc:sldMk cId="3959106689" sldId="264"/>
-        </pc:sldMkLst>
-        <pc:spChg chg="mod">
-          <ac:chgData name="吴凯" userId="f50f5c7f48ac5e51" providerId="LiveId" clId="{8C411FE4-1B80-4ED1-99C7-1FBD1AFC39A6}" dt="2018-05-22T13:40:01.181" v="61"/>
-          <ac:spMkLst>
-            <pc:docMk/>
-            <pc:sldMk cId="3959106689" sldId="264"/>
-            <ac:spMk id="2" creationId="{00000000-0000-0000-0000-000000000000}"/>
           </ac:spMkLst>
         </pc:spChg>
       </pc:sldChg>
@@ -196,13 +177,13 @@
         </pc:spChg>
       </pc:sldChg>
       <pc:sldChg chg="addSp modSp add ord">
-        <pc:chgData name="吴凯" userId="f50f5c7f48ac5e51" providerId="LiveId" clId="{8C411FE4-1B80-4ED1-99C7-1FBD1AFC39A6}" dt="2018-05-23T00:51:58.024" v="1549"/>
+        <pc:chgData name="吴凯" userId="f50f5c7f48ac5e51" providerId="LiveId" clId="{8C411FE4-1B80-4ED1-99C7-1FBD1AFC39A6}" dt="2018-05-27T06:04:58.999" v="2019" actId="20577"/>
         <pc:sldMkLst>
           <pc:docMk/>
           <pc:sldMk cId="3543556169" sldId="266"/>
         </pc:sldMkLst>
         <pc:spChg chg="mod">
-          <ac:chgData name="吴凯" userId="f50f5c7f48ac5e51" providerId="LiveId" clId="{8C411FE4-1B80-4ED1-99C7-1FBD1AFC39A6}" dt="2018-05-23T00:51:58.024" v="1549"/>
+          <ac:chgData name="吴凯" userId="f50f5c7f48ac5e51" providerId="LiveId" clId="{8C411FE4-1B80-4ED1-99C7-1FBD1AFC39A6}" dt="2018-05-23T00:51:58.024" v="1549" actId="1076"/>
           <ac:spMkLst>
             <pc:docMk/>
             <pc:sldMk cId="3543556169" sldId="266"/>
@@ -210,7 +191,7 @@
           </ac:spMkLst>
         </pc:spChg>
         <pc:spChg chg="mod">
-          <ac:chgData name="吴凯" userId="f50f5c7f48ac5e51" providerId="LiveId" clId="{8C411FE4-1B80-4ED1-99C7-1FBD1AFC39A6}" dt="2018-05-22T13:49:21.331" v="334"/>
+          <ac:chgData name="吴凯" userId="f50f5c7f48ac5e51" providerId="LiveId" clId="{8C411FE4-1B80-4ED1-99C7-1FBD1AFC39A6}" dt="2018-05-27T06:04:58.999" v="2019" actId="20577"/>
           <ac:spMkLst>
             <pc:docMk/>
             <pc:sldMk cId="3543556169" sldId="266"/>
@@ -233,7 +214,7 @@
           <pc:sldMk cId="4231069276" sldId="267"/>
         </pc:sldMkLst>
         <pc:spChg chg="mod">
-          <ac:chgData name="吴凯" userId="f50f5c7f48ac5e51" providerId="LiveId" clId="{8C411FE4-1B80-4ED1-99C7-1FBD1AFC39A6}" dt="2018-05-22T13:49:49.903" v="366"/>
+          <ac:chgData name="吴凯" userId="f50f5c7f48ac5e51" providerId="LiveId" clId="{8C411FE4-1B80-4ED1-99C7-1FBD1AFC39A6}" dt="2018-05-22T13:49:49.903" v="366" actId="1076"/>
           <ac:spMkLst>
             <pc:docMk/>
             <pc:sldMk cId="4231069276" sldId="267"/>
@@ -241,7 +222,7 @@
           </ac:spMkLst>
         </pc:spChg>
         <pc:spChg chg="mod">
-          <ac:chgData name="吴凯" userId="f50f5c7f48ac5e51" providerId="LiveId" clId="{8C411FE4-1B80-4ED1-99C7-1FBD1AFC39A6}" dt="2018-05-22T14:26:00.448" v="875"/>
+          <ac:chgData name="吴凯" userId="f50f5c7f48ac5e51" providerId="LiveId" clId="{8C411FE4-1B80-4ED1-99C7-1FBD1AFC39A6}" dt="2018-05-22T14:26:00.448" v="875" actId="1076"/>
           <ac:spMkLst>
             <pc:docMk/>
             <pc:sldMk cId="4231069276" sldId="267"/>
@@ -280,7 +261,7 @@
           <pc:sldMk cId="1755121476" sldId="268"/>
         </pc:sldMkLst>
         <pc:spChg chg="mod">
-          <ac:chgData name="吴凯" userId="f50f5c7f48ac5e51" providerId="LiveId" clId="{8C411FE4-1B80-4ED1-99C7-1FBD1AFC39A6}" dt="2018-05-22T14:41:59.001" v="1076"/>
+          <ac:chgData name="吴凯" userId="f50f5c7f48ac5e51" providerId="LiveId" clId="{8C411FE4-1B80-4ED1-99C7-1FBD1AFC39A6}" dt="2018-05-22T14:41:59.001" v="1076" actId="14100"/>
           <ac:spMkLst>
             <pc:docMk/>
             <pc:sldMk cId="1755121476" sldId="268"/>
@@ -335,7 +316,7 @@
           <pc:sldMk cId="1138644211" sldId="269"/>
         </pc:sldMkLst>
         <pc:spChg chg="mod">
-          <ac:chgData name="吴凯" userId="f50f5c7f48ac5e51" providerId="LiveId" clId="{8C411FE4-1B80-4ED1-99C7-1FBD1AFC39A6}" dt="2018-05-22T14:35:34.276" v="891"/>
+          <ac:chgData name="吴凯" userId="f50f5c7f48ac5e51" providerId="LiveId" clId="{8C411FE4-1B80-4ED1-99C7-1FBD1AFC39A6}" dt="2018-05-22T14:35:34.276" v="891" actId="14100"/>
           <ac:spMkLst>
             <pc:docMk/>
             <pc:sldMk cId="1138644211" sldId="269"/>
@@ -343,7 +324,7 @@
           </ac:spMkLst>
         </pc:spChg>
         <pc:spChg chg="add del mod">
-          <ac:chgData name="吴凯" userId="f50f5c7f48ac5e51" providerId="LiveId" clId="{8C411FE4-1B80-4ED1-99C7-1FBD1AFC39A6}" dt="2018-05-22T14:39:25.830" v="1044"/>
+          <ac:chgData name="吴凯" userId="f50f5c7f48ac5e51" providerId="LiveId" clId="{8C411FE4-1B80-4ED1-99C7-1FBD1AFC39A6}" dt="2018-05-22T14:39:25.830" v="1044" actId="14100"/>
           <ac:spMkLst>
             <pc:docMk/>
             <pc:sldMk cId="1138644211" sldId="269"/>
@@ -351,7 +332,7 @@
           </ac:spMkLst>
         </pc:spChg>
         <pc:picChg chg="add del mod">
-          <ac:chgData name="吴凯" userId="f50f5c7f48ac5e51" providerId="LiveId" clId="{8C411FE4-1B80-4ED1-99C7-1FBD1AFC39A6}" dt="2018-05-22T14:36:45.284" v="893"/>
+          <ac:chgData name="吴凯" userId="f50f5c7f48ac5e51" providerId="LiveId" clId="{8C411FE4-1B80-4ED1-99C7-1FBD1AFC39A6}" dt="2018-05-22T14:36:45.284" v="893" actId="14100"/>
           <ac:picMkLst>
             <pc:docMk/>
             <pc:sldMk cId="1138644211" sldId="269"/>
@@ -398,7 +379,7 @@
           <pc:sldMk cId="3593964978" sldId="270"/>
         </pc:sldMkLst>
         <pc:spChg chg="mod">
-          <ac:chgData name="吴凯" userId="f50f5c7f48ac5e51" providerId="LiveId" clId="{8C411FE4-1B80-4ED1-99C7-1FBD1AFC39A6}" dt="2018-05-22T16:04:51.794" v="1535"/>
+          <ac:chgData name="吴凯" userId="f50f5c7f48ac5e51" providerId="LiveId" clId="{8C411FE4-1B80-4ED1-99C7-1FBD1AFC39A6}" dt="2018-05-22T16:04:51.794" v="1535" actId="20577"/>
           <ac:spMkLst>
             <pc:docMk/>
             <pc:sldMk cId="3593964978" sldId="270"/>
@@ -406,7 +387,7 @@
           </ac:spMkLst>
         </pc:spChg>
         <pc:spChg chg="mod">
-          <ac:chgData name="吴凯" userId="f50f5c7f48ac5e51" providerId="LiveId" clId="{8C411FE4-1B80-4ED1-99C7-1FBD1AFC39A6}" dt="2018-05-23T01:09:58.813" v="1942"/>
+          <ac:chgData name="吴凯" userId="f50f5c7f48ac5e51" providerId="LiveId" clId="{8C411FE4-1B80-4ED1-99C7-1FBD1AFC39A6}" dt="2018-05-23T01:09:58.813" v="1942" actId="20577"/>
           <ac:spMkLst>
             <pc:docMk/>
             <pc:sldMk cId="3593964978" sldId="270"/>
@@ -423,13 +404,13 @@
         </pc:graphicFrameChg>
       </pc:sldChg>
       <pc:sldChg chg="addSp delSp modSp add">
-        <pc:chgData name="吴凯" userId="f50f5c7f48ac5e51" providerId="LiveId" clId="{8C411FE4-1B80-4ED1-99C7-1FBD1AFC39A6}" dt="2018-05-23T00:57:14.961" v="1843"/>
+        <pc:chgData name="吴凯" userId="f50f5c7f48ac5e51" providerId="LiveId" clId="{8C411FE4-1B80-4ED1-99C7-1FBD1AFC39A6}" dt="2018-05-23T00:57:14.961" v="1843" actId="1076"/>
         <pc:sldMkLst>
           <pc:docMk/>
           <pc:sldMk cId="3470589882" sldId="271"/>
         </pc:sldMkLst>
         <pc:spChg chg="mod">
-          <ac:chgData name="吴凯" userId="f50f5c7f48ac5e51" providerId="LiveId" clId="{8C411FE4-1B80-4ED1-99C7-1FBD1AFC39A6}" dt="2018-05-23T00:52:04.798" v="1567"/>
+          <ac:chgData name="吴凯" userId="f50f5c7f48ac5e51" providerId="LiveId" clId="{8C411FE4-1B80-4ED1-99C7-1FBD1AFC39A6}" dt="2018-05-23T00:52:04.798" v="1567" actId="1076"/>
           <ac:spMkLst>
             <pc:docMk/>
             <pc:sldMk cId="3470589882" sldId="271"/>
@@ -437,7 +418,7 @@
           </ac:spMkLst>
         </pc:spChg>
         <pc:spChg chg="mod">
-          <ac:chgData name="吴凯" userId="f50f5c7f48ac5e51" providerId="LiveId" clId="{8C411FE4-1B80-4ED1-99C7-1FBD1AFC39A6}" dt="2018-05-23T00:57:14.961" v="1843"/>
+          <ac:chgData name="吴凯" userId="f50f5c7f48ac5e51" providerId="LiveId" clId="{8C411FE4-1B80-4ED1-99C7-1FBD1AFC39A6}" dt="2018-05-23T00:57:14.961" v="1843" actId="1076"/>
           <ac:spMkLst>
             <pc:docMk/>
             <pc:sldMk cId="3470589882" sldId="271"/>
@@ -445,7 +426,7 @@
           </ac:spMkLst>
         </pc:spChg>
         <pc:spChg chg="add del">
-          <ac:chgData name="吴凯" userId="f50f5c7f48ac5e51" providerId="LiveId" clId="{8C411FE4-1B80-4ED1-99C7-1FBD1AFC39A6}" dt="2018-05-23T00:55:03.748" v="1757"/>
+          <ac:chgData name="吴凯" userId="f50f5c7f48ac5e51" providerId="LiveId" clId="{8C411FE4-1B80-4ED1-99C7-1FBD1AFC39A6}" dt="2018-05-23T00:55:03.748" v="1757" actId="1076"/>
           <ac:spMkLst>
             <pc:docMk/>
             <pc:sldMk cId="3470589882" sldId="271"/>
@@ -453,7 +434,7 @@
           </ac:spMkLst>
         </pc:spChg>
         <pc:spChg chg="add del">
-          <ac:chgData name="吴凯" userId="f50f5c7f48ac5e51" providerId="LiveId" clId="{8C411FE4-1B80-4ED1-99C7-1FBD1AFC39A6}" dt="2018-05-23T00:55:05.990" v="1759"/>
+          <ac:chgData name="吴凯" userId="f50f5c7f48ac5e51" providerId="LiveId" clId="{8C411FE4-1B80-4ED1-99C7-1FBD1AFC39A6}" dt="2018-05-23T00:55:05.990" v="1759" actId="1076"/>
           <ac:spMkLst>
             <pc:docMk/>
             <pc:sldMk cId="3470589882" sldId="271"/>
@@ -468,7 +449,7 @@
           <pc:sldMk cId="3619697534" sldId="272"/>
         </pc:sldMkLst>
         <pc:spChg chg="mod">
-          <ac:chgData name="吴凯" userId="f50f5c7f48ac5e51" providerId="LiveId" clId="{8C411FE4-1B80-4ED1-99C7-1FBD1AFC39A6}" dt="2018-05-23T01:38:46.440" v="2010"/>
+          <ac:chgData name="吴凯" userId="f50f5c7f48ac5e51" providerId="LiveId" clId="{8C411FE4-1B80-4ED1-99C7-1FBD1AFC39A6}" dt="2018-05-23T01:38:46.440" v="2010" actId="1076"/>
           <ac:spMkLst>
             <pc:docMk/>
             <pc:sldMk cId="3619697534" sldId="272"/>
@@ -476,7 +457,7 @@
           </ac:spMkLst>
         </pc:spChg>
         <pc:spChg chg="del">
-          <ac:chgData name="吴凯" userId="f50f5c7f48ac5e51" providerId="LiveId" clId="{8C411FE4-1B80-4ED1-99C7-1FBD1AFC39A6}" dt="2018-05-23T01:38:47.409" v="2011"/>
+          <ac:chgData name="吴凯" userId="f50f5c7f48ac5e51" providerId="LiveId" clId="{8C411FE4-1B80-4ED1-99C7-1FBD1AFC39A6}" dt="2018-05-23T01:38:47.409" v="2011" actId="1076"/>
           <ac:spMkLst>
             <pc:docMk/>
             <pc:sldMk cId="3619697534" sldId="272"/>
@@ -484,7 +465,7 @@
           </ac:spMkLst>
         </pc:spChg>
         <pc:spChg chg="add del mod">
-          <ac:chgData name="吴凯" userId="f50f5c7f48ac5e51" providerId="LiveId" clId="{8C411FE4-1B80-4ED1-99C7-1FBD1AFC39A6}" dt="2018-05-23T01:39:15.601" v="2016"/>
+          <ac:chgData name="吴凯" userId="f50f5c7f48ac5e51" providerId="LiveId" clId="{8C411FE4-1B80-4ED1-99C7-1FBD1AFC39A6}" dt="2018-05-23T01:39:15.601" v="2016" actId="1076"/>
           <ac:spMkLst>
             <pc:docMk/>
             <pc:sldMk cId="3619697534" sldId="272"/>
@@ -500,7 +481,7 @@
           </ac:picMkLst>
         </pc:picChg>
         <pc:picChg chg="add del">
-          <ac:chgData name="吴凯" userId="f50f5c7f48ac5e51" providerId="LiveId" clId="{8C411FE4-1B80-4ED1-99C7-1FBD1AFC39A6}" dt="2018-05-23T01:39:14.719" v="2015"/>
+          <ac:chgData name="吴凯" userId="f50f5c7f48ac5e51" providerId="LiveId" clId="{8C411FE4-1B80-4ED1-99C7-1FBD1AFC39A6}" dt="2018-05-23T01:39:14.719" v="2015" actId="1076"/>
           <ac:picMkLst>
             <pc:docMk/>
             <pc:sldMk cId="3619697534" sldId="272"/>
@@ -519,6 +500,439 @@
     </pc:docChg>
   </pc:docChgLst>
 </pc:chgInfo>
+</file>
+
+<file path=ppt/notesMasters/notesMaster1.xml><?xml version="1.0" encoding="utf-8"?>
+<p:notesMaster xmlns:a="http://schemas.openxmlformats.org/drawingml/2006/main" xmlns:r="http://schemas.openxmlformats.org/officeDocument/2006/relationships" xmlns:p="http://schemas.openxmlformats.org/presentationml/2006/main">
+  <p:cSld>
+    <p:bg>
+      <p:bgRef idx="1001">
+        <a:schemeClr val="bg1"/>
+      </p:bgRef>
+    </p:bg>
+    <p:spTree>
+      <p:nvGrpSpPr>
+        <p:cNvPr id="1" name=""/>
+        <p:cNvGrpSpPr/>
+        <p:nvPr/>
+      </p:nvGrpSpPr>
+      <p:grpSpPr>
+        <a:xfrm>
+          <a:off x="0" y="0"/>
+          <a:ext cx="0" cy="0"/>
+          <a:chOff x="0" y="0"/>
+          <a:chExt cx="0" cy="0"/>
+        </a:xfrm>
+      </p:grpSpPr>
+      <p:sp>
+        <p:nvSpPr>
+          <p:cNvPr id="2" name="页眉占位符 1"/>
+          <p:cNvSpPr>
+            <a:spLocks noGrp="1"/>
+          </p:cNvSpPr>
+          <p:nvPr>
+            <p:ph type="hdr" sz="quarter"/>
+          </p:nvPr>
+        </p:nvSpPr>
+        <p:spPr>
+          <a:xfrm>
+            <a:off x="0" y="0"/>
+            <a:ext cx="2971800" cy="458788"/>
+          </a:xfrm>
+          <a:prstGeom prst="rect">
+            <a:avLst/>
+          </a:prstGeom>
+        </p:spPr>
+        <p:txBody>
+          <a:bodyPr vert="horz" lIns="91440" tIns="45720" rIns="91440" bIns="45720" rtlCol="0"/>
+          <a:lstStyle>
+            <a:lvl1pPr algn="l">
+              <a:defRPr sz="1200"/>
+            </a:lvl1pPr>
+          </a:lstStyle>
+          <a:p>
+            <a:endParaRPr lang="zh-CN" altLang="en-US"/>
+          </a:p>
+        </p:txBody>
+      </p:sp>
+      <p:sp>
+        <p:nvSpPr>
+          <p:cNvPr id="3" name="日期占位符 2"/>
+          <p:cNvSpPr>
+            <a:spLocks noGrp="1"/>
+          </p:cNvSpPr>
+          <p:nvPr>
+            <p:ph type="dt" idx="1"/>
+          </p:nvPr>
+        </p:nvSpPr>
+        <p:spPr>
+          <a:xfrm>
+            <a:off x="3884613" y="0"/>
+            <a:ext cx="2971800" cy="458788"/>
+          </a:xfrm>
+          <a:prstGeom prst="rect">
+            <a:avLst/>
+          </a:prstGeom>
+        </p:spPr>
+        <p:txBody>
+          <a:bodyPr vert="horz" lIns="91440" tIns="45720" rIns="91440" bIns="45720" rtlCol="0"/>
+          <a:lstStyle>
+            <a:lvl1pPr algn="r">
+              <a:defRPr sz="1200"/>
+            </a:lvl1pPr>
+          </a:lstStyle>
+          <a:p>
+            <a:fld id="{04ED5014-7498-40FE-AE17-6CCEFFB81EA3}" type="datetimeFigureOut">
+              <a:rPr lang="zh-CN" altLang="en-US" smtClean="0"/>
+              <a:t>2018/5/27</a:t>
+            </a:fld>
+            <a:endParaRPr lang="zh-CN" altLang="en-US"/>
+          </a:p>
+        </p:txBody>
+      </p:sp>
+      <p:sp>
+        <p:nvSpPr>
+          <p:cNvPr id="4" name="幻灯片图像占位符 3"/>
+          <p:cNvSpPr>
+            <a:spLocks noGrp="1" noRot="1" noChangeAspect="1"/>
+          </p:cNvSpPr>
+          <p:nvPr>
+            <p:ph type="sldImg" idx="2"/>
+          </p:nvPr>
+        </p:nvSpPr>
+        <p:spPr>
+          <a:xfrm>
+            <a:off x="685800" y="1143000"/>
+            <a:ext cx="5486400" cy="3086100"/>
+          </a:xfrm>
+          <a:prstGeom prst="rect">
+            <a:avLst/>
+          </a:prstGeom>
+          <a:noFill/>
+          <a:ln w="12700">
+            <a:solidFill>
+              <a:prstClr val="black"/>
+            </a:solidFill>
+          </a:ln>
+        </p:spPr>
+        <p:txBody>
+          <a:bodyPr vert="horz" lIns="91440" tIns="45720" rIns="91440" bIns="45720" rtlCol="0" anchor="ctr"/>
+          <a:lstStyle/>
+          <a:p>
+            <a:endParaRPr lang="zh-CN" altLang="en-US"/>
+          </a:p>
+        </p:txBody>
+      </p:sp>
+      <p:sp>
+        <p:nvSpPr>
+          <p:cNvPr id="5" name="备注占位符 4"/>
+          <p:cNvSpPr>
+            <a:spLocks noGrp="1"/>
+          </p:cNvSpPr>
+          <p:nvPr>
+            <p:ph type="body" sz="quarter" idx="3"/>
+          </p:nvPr>
+        </p:nvSpPr>
+        <p:spPr>
+          <a:xfrm>
+            <a:off x="685800" y="4400550"/>
+            <a:ext cx="5486400" cy="3600450"/>
+          </a:xfrm>
+          <a:prstGeom prst="rect">
+            <a:avLst/>
+          </a:prstGeom>
+        </p:spPr>
+        <p:txBody>
+          <a:bodyPr vert="horz" lIns="91440" tIns="45720" rIns="91440" bIns="45720" rtlCol="0"/>
+          <a:lstStyle/>
+          <a:p>
+            <a:pPr lvl="0"/>
+            <a:r>
+              <a:rPr lang="zh-CN" altLang="en-US"/>
+              <a:t>编辑母版文本样式</a:t>
+            </a:r>
+          </a:p>
+          <a:p>
+            <a:pPr lvl="1"/>
+            <a:r>
+              <a:rPr lang="zh-CN" altLang="en-US"/>
+              <a:t>第二级</a:t>
+            </a:r>
+          </a:p>
+          <a:p>
+            <a:pPr lvl="2"/>
+            <a:r>
+              <a:rPr lang="zh-CN" altLang="en-US"/>
+              <a:t>第三级</a:t>
+            </a:r>
+          </a:p>
+          <a:p>
+            <a:pPr lvl="3"/>
+            <a:r>
+              <a:rPr lang="zh-CN" altLang="en-US"/>
+              <a:t>第四级</a:t>
+            </a:r>
+          </a:p>
+          <a:p>
+            <a:pPr lvl="4"/>
+            <a:r>
+              <a:rPr lang="zh-CN" altLang="en-US"/>
+              <a:t>第五级</a:t>
+            </a:r>
+          </a:p>
+        </p:txBody>
+      </p:sp>
+      <p:sp>
+        <p:nvSpPr>
+          <p:cNvPr id="6" name="页脚占位符 5"/>
+          <p:cNvSpPr>
+            <a:spLocks noGrp="1"/>
+          </p:cNvSpPr>
+          <p:nvPr>
+            <p:ph type="ftr" sz="quarter" idx="4"/>
+          </p:nvPr>
+        </p:nvSpPr>
+        <p:spPr>
+          <a:xfrm>
+            <a:off x="0" y="8685213"/>
+            <a:ext cx="2971800" cy="458787"/>
+          </a:xfrm>
+          <a:prstGeom prst="rect">
+            <a:avLst/>
+          </a:prstGeom>
+        </p:spPr>
+        <p:txBody>
+          <a:bodyPr vert="horz" lIns="91440" tIns="45720" rIns="91440" bIns="45720" rtlCol="0" anchor="b"/>
+          <a:lstStyle>
+            <a:lvl1pPr algn="l">
+              <a:defRPr sz="1200"/>
+            </a:lvl1pPr>
+          </a:lstStyle>
+          <a:p>
+            <a:endParaRPr lang="zh-CN" altLang="en-US"/>
+          </a:p>
+        </p:txBody>
+      </p:sp>
+      <p:sp>
+        <p:nvSpPr>
+          <p:cNvPr id="7" name="灯片编号占位符 6"/>
+          <p:cNvSpPr>
+            <a:spLocks noGrp="1"/>
+          </p:cNvSpPr>
+          <p:nvPr>
+            <p:ph type="sldNum" sz="quarter" idx="5"/>
+          </p:nvPr>
+        </p:nvSpPr>
+        <p:spPr>
+          <a:xfrm>
+            <a:off x="3884613" y="8685213"/>
+            <a:ext cx="2971800" cy="458787"/>
+          </a:xfrm>
+          <a:prstGeom prst="rect">
+            <a:avLst/>
+          </a:prstGeom>
+        </p:spPr>
+        <p:txBody>
+          <a:bodyPr vert="horz" lIns="91440" tIns="45720" rIns="91440" bIns="45720" rtlCol="0" anchor="b"/>
+          <a:lstStyle>
+            <a:lvl1pPr algn="r">
+              <a:defRPr sz="1200"/>
+            </a:lvl1pPr>
+          </a:lstStyle>
+          <a:p>
+            <a:fld id="{421C1FA2-9A1A-4354-905A-7D1B258C5257}" type="slidenum">
+              <a:rPr lang="zh-CN" altLang="en-US" smtClean="0"/>
+              <a:t>‹#›</a:t>
+            </a:fld>
+            <a:endParaRPr lang="zh-CN" altLang="en-US"/>
+          </a:p>
+        </p:txBody>
+      </p:sp>
+    </p:spTree>
+    <p:extLst>
+      <p:ext uri="{BB962C8B-B14F-4D97-AF65-F5344CB8AC3E}">
+        <p14:creationId xmlns:p14="http://schemas.microsoft.com/office/powerpoint/2010/main" val="1699401801"/>
+      </p:ext>
+    </p:extLst>
+  </p:cSld>
+  <p:clrMap bg1="lt1" tx1="dk1" bg2="lt2" tx2="dk2" accent1="accent1" accent2="accent2" accent3="accent3" accent4="accent4" accent5="accent5" accent6="accent6" hlink="hlink" folHlink="folHlink"/>
+  <p:notesStyle>
+    <a:lvl1pPr marL="0" algn="l" defTabSz="914400" rtl="0" eaLnBrk="1" latinLnBrk="0" hangingPunct="1">
+      <a:defRPr sz="1200" kern="1200">
+        <a:solidFill>
+          <a:schemeClr val="tx1"/>
+        </a:solidFill>
+        <a:latin typeface="+mn-lt"/>
+        <a:ea typeface="+mn-ea"/>
+        <a:cs typeface="+mn-cs"/>
+      </a:defRPr>
+    </a:lvl1pPr>
+    <a:lvl2pPr marL="457200" algn="l" defTabSz="914400" rtl="0" eaLnBrk="1" latinLnBrk="0" hangingPunct="1">
+      <a:defRPr sz="1200" kern="1200">
+        <a:solidFill>
+          <a:schemeClr val="tx1"/>
+        </a:solidFill>
+        <a:latin typeface="+mn-lt"/>
+        <a:ea typeface="+mn-ea"/>
+        <a:cs typeface="+mn-cs"/>
+      </a:defRPr>
+    </a:lvl2pPr>
+    <a:lvl3pPr marL="914400" algn="l" defTabSz="914400" rtl="0" eaLnBrk="1" latinLnBrk="0" hangingPunct="1">
+      <a:defRPr sz="1200" kern="1200">
+        <a:solidFill>
+          <a:schemeClr val="tx1"/>
+        </a:solidFill>
+        <a:latin typeface="+mn-lt"/>
+        <a:ea typeface="+mn-ea"/>
+        <a:cs typeface="+mn-cs"/>
+      </a:defRPr>
+    </a:lvl3pPr>
+    <a:lvl4pPr marL="1371600" algn="l" defTabSz="914400" rtl="0" eaLnBrk="1" latinLnBrk="0" hangingPunct="1">
+      <a:defRPr sz="1200" kern="1200">
+        <a:solidFill>
+          <a:schemeClr val="tx1"/>
+        </a:solidFill>
+        <a:latin typeface="+mn-lt"/>
+        <a:ea typeface="+mn-ea"/>
+        <a:cs typeface="+mn-cs"/>
+      </a:defRPr>
+    </a:lvl4pPr>
+    <a:lvl5pPr marL="1828800" algn="l" defTabSz="914400" rtl="0" eaLnBrk="1" latinLnBrk="0" hangingPunct="1">
+      <a:defRPr sz="1200" kern="1200">
+        <a:solidFill>
+          <a:schemeClr val="tx1"/>
+        </a:solidFill>
+        <a:latin typeface="+mn-lt"/>
+        <a:ea typeface="+mn-ea"/>
+        <a:cs typeface="+mn-cs"/>
+      </a:defRPr>
+    </a:lvl5pPr>
+    <a:lvl6pPr marL="2286000" algn="l" defTabSz="914400" rtl="0" eaLnBrk="1" latinLnBrk="0" hangingPunct="1">
+      <a:defRPr sz="1200" kern="1200">
+        <a:solidFill>
+          <a:schemeClr val="tx1"/>
+        </a:solidFill>
+        <a:latin typeface="+mn-lt"/>
+        <a:ea typeface="+mn-ea"/>
+        <a:cs typeface="+mn-cs"/>
+      </a:defRPr>
+    </a:lvl6pPr>
+    <a:lvl7pPr marL="2743200" algn="l" defTabSz="914400" rtl="0" eaLnBrk="1" latinLnBrk="0" hangingPunct="1">
+      <a:defRPr sz="1200" kern="1200">
+        <a:solidFill>
+          <a:schemeClr val="tx1"/>
+        </a:solidFill>
+        <a:latin typeface="+mn-lt"/>
+        <a:ea typeface="+mn-ea"/>
+        <a:cs typeface="+mn-cs"/>
+      </a:defRPr>
+    </a:lvl7pPr>
+    <a:lvl8pPr marL="3200400" algn="l" defTabSz="914400" rtl="0" eaLnBrk="1" latinLnBrk="0" hangingPunct="1">
+      <a:defRPr sz="1200" kern="1200">
+        <a:solidFill>
+          <a:schemeClr val="tx1"/>
+        </a:solidFill>
+        <a:latin typeface="+mn-lt"/>
+        <a:ea typeface="+mn-ea"/>
+        <a:cs typeface="+mn-cs"/>
+      </a:defRPr>
+    </a:lvl8pPr>
+    <a:lvl9pPr marL="3657600" algn="l" defTabSz="914400" rtl="0" eaLnBrk="1" latinLnBrk="0" hangingPunct="1">
+      <a:defRPr sz="1200" kern="1200">
+        <a:solidFill>
+          <a:schemeClr val="tx1"/>
+        </a:solidFill>
+        <a:latin typeface="+mn-lt"/>
+        <a:ea typeface="+mn-ea"/>
+        <a:cs typeface="+mn-cs"/>
+      </a:defRPr>
+    </a:lvl9pPr>
+  </p:notesStyle>
+</p:notesMaster>
+</file>
+
+<file path=ppt/notesSlides/notesSlide1.xml><?xml version="1.0" encoding="utf-8"?>
+<p:notes xmlns:a="http://schemas.openxmlformats.org/drawingml/2006/main" xmlns:r="http://schemas.openxmlformats.org/officeDocument/2006/relationships" xmlns:p="http://schemas.openxmlformats.org/presentationml/2006/main">
+  <p:cSld>
+    <p:spTree>
+      <p:nvGrpSpPr>
+        <p:cNvPr id="1" name=""/>
+        <p:cNvGrpSpPr/>
+        <p:nvPr/>
+      </p:nvGrpSpPr>
+      <p:grpSpPr>
+        <a:xfrm>
+          <a:off x="0" y="0"/>
+          <a:ext cx="0" cy="0"/>
+          <a:chOff x="0" y="0"/>
+          <a:chExt cx="0" cy="0"/>
+        </a:xfrm>
+      </p:grpSpPr>
+      <p:sp>
+        <p:nvSpPr>
+          <p:cNvPr id="2" name="幻灯片图像占位符 1"/>
+          <p:cNvSpPr>
+            <a:spLocks noGrp="1" noRot="1" noChangeAspect="1"/>
+          </p:cNvSpPr>
+          <p:nvPr>
+            <p:ph type="sldImg"/>
+          </p:nvPr>
+        </p:nvSpPr>
+        <p:spPr/>
+      </p:sp>
+      <p:sp>
+        <p:nvSpPr>
+          <p:cNvPr id="3" name="备注占位符 2"/>
+          <p:cNvSpPr>
+            <a:spLocks noGrp="1"/>
+          </p:cNvSpPr>
+          <p:nvPr>
+            <p:ph type="body" idx="1"/>
+          </p:nvPr>
+        </p:nvSpPr>
+        <p:spPr/>
+        <p:txBody>
+          <a:bodyPr/>
+          <a:lstStyle/>
+          <a:p>
+            <a:endParaRPr lang="zh-CN" altLang="en-US" dirty="0"/>
+          </a:p>
+        </p:txBody>
+      </p:sp>
+      <p:sp>
+        <p:nvSpPr>
+          <p:cNvPr id="4" name="灯片编号占位符 3"/>
+          <p:cNvSpPr>
+            <a:spLocks noGrp="1"/>
+          </p:cNvSpPr>
+          <p:nvPr>
+            <p:ph type="sldNum" sz="quarter" idx="10"/>
+          </p:nvPr>
+        </p:nvSpPr>
+        <p:spPr/>
+        <p:txBody>
+          <a:bodyPr/>
+          <a:lstStyle/>
+          <a:p>
+            <a:fld id="{421C1FA2-9A1A-4354-905A-7D1B258C5257}" type="slidenum">
+              <a:rPr lang="zh-CN" altLang="en-US" smtClean="0"/>
+              <a:t>10</a:t>
+            </a:fld>
+            <a:endParaRPr lang="zh-CN" altLang="en-US"/>
+          </a:p>
+        </p:txBody>
+      </p:sp>
+    </p:spTree>
+    <p:extLst>
+      <p:ext uri="{BB962C8B-B14F-4D97-AF65-F5344CB8AC3E}">
+        <p14:creationId xmlns:p14="http://schemas.microsoft.com/office/powerpoint/2010/main" val="985825649"/>
+      </p:ext>
+    </p:extLst>
+  </p:cSld>
+  <p:clrMapOvr>
+    <a:masterClrMapping/>
+  </p:clrMapOvr>
+</p:notes>
 </file>
 
 <file path=ppt/slideLayouts/slideLayout1.xml><?xml version="1.0" encoding="utf-8"?>
@@ -1243,7 +1657,7 @@
           <a:p>
             <a:fld id="{2492F5DF-E794-44E3-9EB1-8526CFEDE6B8}" type="datetimeFigureOut">
               <a:rPr lang="zh-CN" altLang="en-US" smtClean="0"/>
-              <a:t>2018/5/22</a:t>
+              <a:t>2018/5/27</a:t>
             </a:fld>
             <a:endParaRPr lang="zh-CN" altLang="en-US"/>
           </a:p>
@@ -1294,7 +1708,7 @@
     </p:spTree>
     <p:extLst>
       <p:ext uri="{BB962C8B-B14F-4D97-AF65-F5344CB8AC3E}">
-        <p14:creationId xmlns:p14="http://schemas.microsoft.com/office/powerpoint/2010/main" val="1830558088"/>
+        <p14:creationId xmlns:p14="http://schemas.microsoft.com/office/powerpoint/2010/main" val="4087423103"/>
       </p:ext>
     </p:extLst>
   </p:cSld>
@@ -1472,7 +1886,7 @@
             <a:pPr lvl="0"/>
             <a:r>
               <a:rPr lang="zh-CN" altLang="en-US"/>
-              <a:t>单击此处编辑母版文本样式</a:t>
+              <a:t>编辑母版文本样式</a:t>
             </a:r>
           </a:p>
         </p:txBody>
@@ -1494,7 +1908,7 @@
           <a:p>
             <a:fld id="{2492F5DF-E794-44E3-9EB1-8526CFEDE6B8}" type="datetimeFigureOut">
               <a:rPr lang="zh-CN" altLang="en-US" smtClean="0"/>
-              <a:t>2018/5/22</a:t>
+              <a:t>2018/5/27</a:t>
             </a:fld>
             <a:endParaRPr lang="zh-CN" altLang="en-US"/>
           </a:p>
@@ -1545,7 +1959,7 @@
     </p:spTree>
     <p:extLst>
       <p:ext uri="{BB962C8B-B14F-4D97-AF65-F5344CB8AC3E}">
-        <p14:creationId xmlns:p14="http://schemas.microsoft.com/office/powerpoint/2010/main" val="1228658330"/>
+        <p14:creationId xmlns:p14="http://schemas.microsoft.com/office/powerpoint/2010/main" val="4155841008"/>
       </p:ext>
     </p:extLst>
   </p:cSld>
@@ -1664,7 +2078,7 @@
             <a:pPr lvl="0"/>
             <a:r>
               <a:rPr lang="zh-CN" altLang="en-US"/>
-              <a:t>单击此处编辑母版文本样式</a:t>
+              <a:t>编辑母版文本样式</a:t>
             </a:r>
           </a:p>
         </p:txBody>
@@ -1786,7 +2200,7 @@
             <a:pPr lvl="0"/>
             <a:r>
               <a:rPr lang="zh-CN" altLang="en-US"/>
-              <a:t>单击此处编辑母版文本样式</a:t>
+              <a:t>编辑母版文本样式</a:t>
             </a:r>
           </a:p>
         </p:txBody>
@@ -1808,7 +2222,7 @@
           <a:p>
             <a:fld id="{2492F5DF-E794-44E3-9EB1-8526CFEDE6B8}" type="datetimeFigureOut">
               <a:rPr lang="zh-CN" altLang="en-US" smtClean="0"/>
-              <a:t>2018/5/22</a:t>
+              <a:t>2018/5/27</a:t>
             </a:fld>
             <a:endParaRPr lang="zh-CN" altLang="en-US"/>
           </a:p>
@@ -1949,7 +2363,7 @@
     </p:spTree>
     <p:extLst>
       <p:ext uri="{BB962C8B-B14F-4D97-AF65-F5344CB8AC3E}">
-        <p14:creationId xmlns:p14="http://schemas.microsoft.com/office/powerpoint/2010/main" val="760206732"/>
+        <p14:creationId xmlns:p14="http://schemas.microsoft.com/office/powerpoint/2010/main" val="3817463635"/>
       </p:ext>
     </p:extLst>
   </p:cSld>
@@ -2127,7 +2541,7 @@
             <a:pPr lvl="0"/>
             <a:r>
               <a:rPr lang="zh-CN" altLang="en-US"/>
-              <a:t>单击此处编辑母版文本样式</a:t>
+              <a:t>编辑母版文本样式</a:t>
             </a:r>
           </a:p>
         </p:txBody>
@@ -2149,7 +2563,7 @@
           <a:p>
             <a:fld id="{2492F5DF-E794-44E3-9EB1-8526CFEDE6B8}" type="datetimeFigureOut">
               <a:rPr lang="zh-CN" altLang="en-US" smtClean="0"/>
-              <a:t>2018/5/22</a:t>
+              <a:t>2018/5/27</a:t>
             </a:fld>
             <a:endParaRPr lang="zh-CN" altLang="en-US"/>
           </a:p>
@@ -2200,7 +2614,7 @@
     </p:spTree>
     <p:extLst>
       <p:ext uri="{BB962C8B-B14F-4D97-AF65-F5344CB8AC3E}">
-        <p14:creationId xmlns:p14="http://schemas.microsoft.com/office/powerpoint/2010/main" val="2047291384"/>
+        <p14:creationId xmlns:p14="http://schemas.microsoft.com/office/powerpoint/2010/main" val="771564385"/>
       </p:ext>
     </p:extLst>
   </p:cSld>
@@ -2319,7 +2733,7 @@
             <a:pPr lvl="0"/>
             <a:r>
               <a:rPr lang="zh-CN" altLang="en-US"/>
-              <a:t>单击此处编辑母版文本样式</a:t>
+              <a:t>编辑母版文本样式</a:t>
             </a:r>
           </a:p>
         </p:txBody>
@@ -2441,7 +2855,7 @@
             <a:pPr lvl="0"/>
             <a:r>
               <a:rPr lang="zh-CN" altLang="en-US"/>
-              <a:t>单击此处编辑母版文本样式</a:t>
+              <a:t>编辑母版文本样式</a:t>
             </a:r>
           </a:p>
         </p:txBody>
@@ -2463,7 +2877,7 @@
           <a:p>
             <a:fld id="{2492F5DF-E794-44E3-9EB1-8526CFEDE6B8}" type="datetimeFigureOut">
               <a:rPr lang="zh-CN" altLang="en-US" smtClean="0"/>
-              <a:t>2018/5/22</a:t>
+              <a:t>2018/5/27</a:t>
             </a:fld>
             <a:endParaRPr lang="zh-CN" altLang="en-US"/>
           </a:p>
@@ -2596,7 +3010,7 @@
     </p:spTree>
     <p:extLst>
       <p:ext uri="{BB962C8B-B14F-4D97-AF65-F5344CB8AC3E}">
-        <p14:creationId xmlns:p14="http://schemas.microsoft.com/office/powerpoint/2010/main" val="403555673"/>
+        <p14:creationId xmlns:p14="http://schemas.microsoft.com/office/powerpoint/2010/main" val="2068805032"/>
       </p:ext>
     </p:extLst>
   </p:cSld>
@@ -2712,7 +3126,7 @@
             <a:pPr lvl="0"/>
             <a:r>
               <a:rPr lang="zh-CN" altLang="en-US"/>
-              <a:t>单击此处编辑母版文本样式</a:t>
+              <a:t>编辑母版文本样式</a:t>
             </a:r>
           </a:p>
         </p:txBody>
@@ -2834,7 +3248,7 @@
             <a:pPr lvl="0"/>
             <a:r>
               <a:rPr lang="zh-CN" altLang="en-US"/>
-              <a:t>单击此处编辑母版文本样式</a:t>
+              <a:t>编辑母版文本样式</a:t>
             </a:r>
           </a:p>
         </p:txBody>
@@ -2856,7 +3270,7 @@
           <a:p>
             <a:fld id="{2492F5DF-E794-44E3-9EB1-8526CFEDE6B8}" type="datetimeFigureOut">
               <a:rPr lang="zh-CN" altLang="en-US" smtClean="0"/>
-              <a:t>2018/5/22</a:t>
+              <a:t>2018/5/27</a:t>
             </a:fld>
             <a:endParaRPr lang="zh-CN" altLang="en-US"/>
           </a:p>
@@ -2907,7 +3321,7 @@
     </p:spTree>
     <p:extLst>
       <p:ext uri="{BB962C8B-B14F-4D97-AF65-F5344CB8AC3E}">
-        <p14:creationId xmlns:p14="http://schemas.microsoft.com/office/powerpoint/2010/main" val="1111666404"/>
+        <p14:creationId xmlns:p14="http://schemas.microsoft.com/office/powerpoint/2010/main" val="722611153"/>
       </p:ext>
     </p:extLst>
   </p:cSld>
@@ -2975,7 +3389,7 @@
             <a:pPr lvl="0"/>
             <a:r>
               <a:rPr lang="zh-CN" altLang="en-US"/>
-              <a:t>单击此处编辑母版文本样式</a:t>
+              <a:t>编辑母版文本样式</a:t>
             </a:r>
           </a:p>
           <a:p>
@@ -3026,7 +3440,7 @@
           <a:p>
             <a:fld id="{2492F5DF-E794-44E3-9EB1-8526CFEDE6B8}" type="datetimeFigureOut">
               <a:rPr lang="zh-CN" altLang="en-US" smtClean="0"/>
-              <a:t>2018/5/22</a:t>
+              <a:t>2018/5/27</a:t>
             </a:fld>
             <a:endParaRPr lang="zh-CN" altLang="en-US"/>
           </a:p>
@@ -3077,7 +3491,7 @@
     </p:spTree>
     <p:extLst>
       <p:ext uri="{BB962C8B-B14F-4D97-AF65-F5344CB8AC3E}">
-        <p14:creationId xmlns:p14="http://schemas.microsoft.com/office/powerpoint/2010/main" val="4079433011"/>
+        <p14:creationId xmlns:p14="http://schemas.microsoft.com/office/powerpoint/2010/main" val="64128662"/>
       </p:ext>
     </p:extLst>
   </p:cSld>
@@ -3089,7 +3503,7 @@
 
 <file path=ppt/slideLayouts/slideLayout16.xml><?xml version="1.0" encoding="utf-8"?>
 <p:sldLayout xmlns:a="http://schemas.openxmlformats.org/drawingml/2006/main" xmlns:r="http://schemas.openxmlformats.org/officeDocument/2006/relationships" xmlns:p="http://schemas.openxmlformats.org/presentationml/2006/main" type="vertTitleAndTx" preserve="1">
-  <p:cSld name="垂直排列标题与&#10;文本">
+  <p:cSld name="竖排标题与文本">
     <p:spTree>
       <p:nvGrpSpPr>
         <p:cNvPr id="1" name=""/>
@@ -3155,7 +3569,7 @@
             <a:pPr lvl="0"/>
             <a:r>
               <a:rPr lang="zh-CN" altLang="en-US"/>
-              <a:t>单击此处编辑母版文本样式</a:t>
+              <a:t>编辑母版文本样式</a:t>
             </a:r>
           </a:p>
           <a:p>
@@ -3206,7 +3620,7 @@
           <a:p>
             <a:fld id="{2492F5DF-E794-44E3-9EB1-8526CFEDE6B8}" type="datetimeFigureOut">
               <a:rPr lang="zh-CN" altLang="en-US" smtClean="0"/>
-              <a:t>2018/5/22</a:t>
+              <a:t>2018/5/27</a:t>
             </a:fld>
             <a:endParaRPr lang="zh-CN" altLang="en-US"/>
           </a:p>
@@ -3257,7 +3671,7 @@
     </p:spTree>
     <p:extLst>
       <p:ext uri="{BB962C8B-B14F-4D97-AF65-F5344CB8AC3E}">
-        <p14:creationId xmlns:p14="http://schemas.microsoft.com/office/powerpoint/2010/main" val="3682203803"/>
+        <p14:creationId xmlns:p14="http://schemas.microsoft.com/office/powerpoint/2010/main" val="598206450"/>
       </p:ext>
     </p:extLst>
   </p:cSld>
@@ -3331,7 +3745,7 @@
             <a:pPr lvl="0"/>
             <a:r>
               <a:rPr lang="zh-CN" altLang="en-US"/>
-              <a:t>单击此处编辑母版文本样式</a:t>
+              <a:t>编辑母版文本样式</a:t>
             </a:r>
           </a:p>
           <a:p>
@@ -3382,7 +3796,7 @@
           <a:p>
             <a:fld id="{2492F5DF-E794-44E3-9EB1-8526CFEDE6B8}" type="datetimeFigureOut">
               <a:rPr lang="zh-CN" altLang="en-US" smtClean="0"/>
-              <a:t>2018/5/22</a:t>
+              <a:t>2018/5/27</a:t>
             </a:fld>
             <a:endParaRPr lang="zh-CN" altLang="en-US"/>
           </a:p>
@@ -3433,7 +3847,7 @@
     </p:spTree>
     <p:extLst>
       <p:ext uri="{BB962C8B-B14F-4D97-AF65-F5344CB8AC3E}">
-        <p14:creationId xmlns:p14="http://schemas.microsoft.com/office/powerpoint/2010/main" val="2828934081"/>
+        <p14:creationId xmlns:p14="http://schemas.microsoft.com/office/powerpoint/2010/main" val="3822791592"/>
       </p:ext>
     </p:extLst>
   </p:cSld>
@@ -3607,7 +4021,7 @@
             <a:pPr lvl="0"/>
             <a:r>
               <a:rPr lang="zh-CN" altLang="en-US"/>
-              <a:t>单击此处编辑母版文本样式</a:t>
+              <a:t>编辑母版文本样式</a:t>
             </a:r>
           </a:p>
         </p:txBody>
@@ -3629,7 +4043,7 @@
           <a:p>
             <a:fld id="{2492F5DF-E794-44E3-9EB1-8526CFEDE6B8}" type="datetimeFigureOut">
               <a:rPr lang="zh-CN" altLang="en-US" smtClean="0"/>
-              <a:t>2018/5/22</a:t>
+              <a:t>2018/5/27</a:t>
             </a:fld>
             <a:endParaRPr lang="zh-CN" altLang="en-US"/>
           </a:p>
@@ -3680,7 +4094,7 @@
     </p:spTree>
     <p:extLst>
       <p:ext uri="{BB962C8B-B14F-4D97-AF65-F5344CB8AC3E}">
-        <p14:creationId xmlns:p14="http://schemas.microsoft.com/office/powerpoint/2010/main" val="1742426807"/>
+        <p14:creationId xmlns:p14="http://schemas.microsoft.com/office/powerpoint/2010/main" val="3052405941"/>
       </p:ext>
     </p:extLst>
   </p:cSld>
@@ -3753,7 +4167,7 @@
             <a:pPr lvl="0"/>
             <a:r>
               <a:rPr lang="zh-CN" altLang="en-US"/>
-              <a:t>单击此处编辑母版文本样式</a:t>
+              <a:t>编辑母版文本样式</a:t>
             </a:r>
           </a:p>
           <a:p>
@@ -3810,7 +4224,7 @@
             <a:pPr lvl="0"/>
             <a:r>
               <a:rPr lang="zh-CN" altLang="en-US"/>
-              <a:t>单击此处编辑母版文本样式</a:t>
+              <a:t>编辑母版文本样式</a:t>
             </a:r>
           </a:p>
           <a:p>
@@ -3861,7 +4275,7 @@
           <a:p>
             <a:fld id="{2492F5DF-E794-44E3-9EB1-8526CFEDE6B8}" type="datetimeFigureOut">
               <a:rPr lang="zh-CN" altLang="en-US" smtClean="0"/>
-              <a:t>2018/5/22</a:t>
+              <a:t>2018/5/27</a:t>
             </a:fld>
             <a:endParaRPr lang="zh-CN" altLang="en-US"/>
           </a:p>
@@ -3912,7 +4326,7 @@
     </p:spTree>
     <p:extLst>
       <p:ext uri="{BB962C8B-B14F-4D97-AF65-F5344CB8AC3E}">
-        <p14:creationId xmlns:p14="http://schemas.microsoft.com/office/powerpoint/2010/main" val="2034563232"/>
+        <p14:creationId xmlns:p14="http://schemas.microsoft.com/office/powerpoint/2010/main" val="3015559430"/>
       </p:ext>
     </p:extLst>
   </p:cSld>
@@ -4028,7 +4442,7 @@
             <a:pPr lvl="0"/>
             <a:r>
               <a:rPr lang="zh-CN" altLang="en-US"/>
-              <a:t>单击此处编辑母版文本样式</a:t>
+              <a:t>编辑母版文本样式</a:t>
             </a:r>
           </a:p>
         </p:txBody>
@@ -4058,7 +4472,7 @@
             <a:pPr lvl="0"/>
             <a:r>
               <a:rPr lang="zh-CN" altLang="en-US"/>
-              <a:t>单击此处编辑母版文本样式</a:t>
+              <a:t>编辑母版文本样式</a:t>
             </a:r>
           </a:p>
           <a:p>
@@ -4154,7 +4568,7 @@
             <a:pPr lvl="0"/>
             <a:r>
               <a:rPr lang="zh-CN" altLang="en-US"/>
-              <a:t>单击此处编辑母版文本样式</a:t>
+              <a:t>编辑母版文本样式</a:t>
             </a:r>
           </a:p>
         </p:txBody>
@@ -4184,7 +4598,7 @@
             <a:pPr lvl="0"/>
             <a:r>
               <a:rPr lang="zh-CN" altLang="en-US"/>
-              <a:t>单击此处编辑母版文本样式</a:t>
+              <a:t>编辑母版文本样式</a:t>
             </a:r>
           </a:p>
           <a:p>
@@ -4235,7 +4649,7 @@
           <a:p>
             <a:fld id="{2492F5DF-E794-44E3-9EB1-8526CFEDE6B8}" type="datetimeFigureOut">
               <a:rPr lang="zh-CN" altLang="en-US" smtClean="0"/>
-              <a:t>2018/5/22</a:t>
+              <a:t>2018/5/27</a:t>
             </a:fld>
             <a:endParaRPr lang="zh-CN" altLang="en-US"/>
           </a:p>
@@ -4286,7 +4700,7 @@
     </p:spTree>
     <p:extLst>
       <p:ext uri="{BB962C8B-B14F-4D97-AF65-F5344CB8AC3E}">
-        <p14:creationId xmlns:p14="http://schemas.microsoft.com/office/powerpoint/2010/main" val="2467028131"/>
+        <p14:creationId xmlns:p14="http://schemas.microsoft.com/office/powerpoint/2010/main" val="220035563"/>
       </p:ext>
     </p:extLst>
   </p:cSld>
@@ -4358,7 +4772,7 @@
           <a:p>
             <a:fld id="{2492F5DF-E794-44E3-9EB1-8526CFEDE6B8}" type="datetimeFigureOut">
               <a:rPr lang="zh-CN" altLang="en-US" smtClean="0"/>
-              <a:t>2018/5/22</a:t>
+              <a:t>2018/5/27</a:t>
             </a:fld>
             <a:endParaRPr lang="zh-CN" altLang="en-US"/>
           </a:p>
@@ -4409,7 +4823,7 @@
     </p:spTree>
     <p:extLst>
       <p:ext uri="{BB962C8B-B14F-4D97-AF65-F5344CB8AC3E}">
-        <p14:creationId xmlns:p14="http://schemas.microsoft.com/office/powerpoint/2010/main" val="2782868896"/>
+        <p14:creationId xmlns:p14="http://schemas.microsoft.com/office/powerpoint/2010/main" val="2685166583"/>
       </p:ext>
     </p:extLst>
   </p:cSld>
@@ -4453,7 +4867,7 @@
           <a:p>
             <a:fld id="{2492F5DF-E794-44E3-9EB1-8526CFEDE6B8}" type="datetimeFigureOut">
               <a:rPr lang="zh-CN" altLang="en-US" smtClean="0"/>
-              <a:t>2018/5/22</a:t>
+              <a:t>2018/5/27</a:t>
             </a:fld>
             <a:endParaRPr lang="zh-CN" altLang="en-US"/>
           </a:p>
@@ -4504,7 +4918,7 @@
     </p:spTree>
     <p:extLst>
       <p:ext uri="{BB962C8B-B14F-4D97-AF65-F5344CB8AC3E}">
-        <p14:creationId xmlns:p14="http://schemas.microsoft.com/office/powerpoint/2010/main" val="344964106"/>
+        <p14:creationId xmlns:p14="http://schemas.microsoft.com/office/powerpoint/2010/main" val="3634932759"/>
       </p:ext>
     </p:extLst>
   </p:cSld>
@@ -4590,7 +5004,7 @@
             <a:pPr lvl="0"/>
             <a:r>
               <a:rPr lang="zh-CN" altLang="en-US"/>
-              <a:t>单击此处编辑母版文本样式</a:t>
+              <a:t>编辑母版文本样式</a:t>
             </a:r>
           </a:p>
           <a:p>
@@ -4686,7 +5100,7 @@
             <a:pPr lvl="0"/>
             <a:r>
               <a:rPr lang="zh-CN" altLang="en-US"/>
-              <a:t>单击此处编辑母版文本样式</a:t>
+              <a:t>编辑母版文本样式</a:t>
             </a:r>
           </a:p>
         </p:txBody>
@@ -4708,7 +5122,7 @@
           <a:p>
             <a:fld id="{2492F5DF-E794-44E3-9EB1-8526CFEDE6B8}" type="datetimeFigureOut">
               <a:rPr lang="zh-CN" altLang="en-US" smtClean="0"/>
-              <a:t>2018/5/22</a:t>
+              <a:t>2018/5/27</a:t>
             </a:fld>
             <a:endParaRPr lang="zh-CN" altLang="en-US"/>
           </a:p>
@@ -4759,7 +5173,7 @@
     </p:spTree>
     <p:extLst>
       <p:ext uri="{BB962C8B-B14F-4D97-AF65-F5344CB8AC3E}">
-        <p14:creationId xmlns:p14="http://schemas.microsoft.com/office/powerpoint/2010/main" val="908473603"/>
+        <p14:creationId xmlns:p14="http://schemas.microsoft.com/office/powerpoint/2010/main" val="4290383237"/>
       </p:ext>
     </p:extLst>
   </p:cSld>
@@ -4949,7 +5363,7 @@
             <a:pPr lvl="0"/>
             <a:r>
               <a:rPr lang="zh-CN" altLang="en-US"/>
-              <a:t>单击此处编辑母版文本样式</a:t>
+              <a:t>编辑母版文本样式</a:t>
             </a:r>
           </a:p>
         </p:txBody>
@@ -4971,7 +5385,7 @@
           <a:p>
             <a:fld id="{2492F5DF-E794-44E3-9EB1-8526CFEDE6B8}" type="datetimeFigureOut">
               <a:rPr lang="zh-CN" altLang="en-US" smtClean="0"/>
-              <a:t>2018/5/22</a:t>
+              <a:t>2018/5/27</a:t>
             </a:fld>
             <a:endParaRPr lang="zh-CN" altLang="en-US"/>
           </a:p>
@@ -5022,7 +5436,7 @@
     </p:spTree>
     <p:extLst>
       <p:ext uri="{BB962C8B-B14F-4D97-AF65-F5344CB8AC3E}">
-        <p14:creationId xmlns:p14="http://schemas.microsoft.com/office/powerpoint/2010/main" val="473884853"/>
+        <p14:creationId xmlns:p14="http://schemas.microsoft.com/office/powerpoint/2010/main" val="223758234"/>
       </p:ext>
     </p:extLst>
   </p:cSld>
@@ -5645,7 +6059,7 @@
             <a:pPr lvl="0"/>
             <a:r>
               <a:rPr lang="zh-CN" altLang="en-US"/>
-              <a:t>单击此处编辑母版文本样式</a:t>
+              <a:t>编辑母版文本样式</a:t>
             </a:r>
           </a:p>
           <a:p>
@@ -5714,7 +6128,7 @@
           <a:p>
             <a:fld id="{2492F5DF-E794-44E3-9EB1-8526CFEDE6B8}" type="datetimeFigureOut">
               <a:rPr lang="zh-CN" altLang="en-US" smtClean="0"/>
-              <a:t>2018/5/22</a:t>
+              <a:t>2018/5/27</a:t>
             </a:fld>
             <a:endParaRPr lang="zh-CN" altLang="en-US"/>
           </a:p>
@@ -5799,28 +6213,28 @@
     </p:spTree>
     <p:extLst>
       <p:ext uri="{BB962C8B-B14F-4D97-AF65-F5344CB8AC3E}">
-        <p14:creationId xmlns:p14="http://schemas.microsoft.com/office/powerpoint/2010/main" val="3170734534"/>
+        <p14:creationId xmlns:p14="http://schemas.microsoft.com/office/powerpoint/2010/main" val="3493876660"/>
       </p:ext>
     </p:extLst>
   </p:cSld>
   <p:clrMap bg1="lt1" tx1="dk1" bg2="lt2" tx2="dk2" accent1="accent1" accent2="accent2" accent3="accent3" accent4="accent4" accent5="accent5" accent6="accent6" hlink="hlink" folHlink="folHlink"/>
   <p:sldLayoutIdLst>
-    <p:sldLayoutId id="2147483661" r:id="rId1"/>
-    <p:sldLayoutId id="2147483662" r:id="rId2"/>
-    <p:sldLayoutId id="2147483663" r:id="rId3"/>
-    <p:sldLayoutId id="2147483664" r:id="rId4"/>
-    <p:sldLayoutId id="2147483665" r:id="rId5"/>
-    <p:sldLayoutId id="2147483666" r:id="rId6"/>
-    <p:sldLayoutId id="2147483667" r:id="rId7"/>
-    <p:sldLayoutId id="2147483668" r:id="rId8"/>
-    <p:sldLayoutId id="2147483669" r:id="rId9"/>
-    <p:sldLayoutId id="2147483670" r:id="rId10"/>
-    <p:sldLayoutId id="2147483671" r:id="rId11"/>
-    <p:sldLayoutId id="2147483672" r:id="rId12"/>
-    <p:sldLayoutId id="2147483673" r:id="rId13"/>
-    <p:sldLayoutId id="2147483674" r:id="rId14"/>
-    <p:sldLayoutId id="2147483675" r:id="rId15"/>
-    <p:sldLayoutId id="2147483676" r:id="rId16"/>
+    <p:sldLayoutId id="2147483695" r:id="rId1"/>
+    <p:sldLayoutId id="2147483696" r:id="rId2"/>
+    <p:sldLayoutId id="2147483697" r:id="rId3"/>
+    <p:sldLayoutId id="2147483698" r:id="rId4"/>
+    <p:sldLayoutId id="2147483699" r:id="rId5"/>
+    <p:sldLayoutId id="2147483700" r:id="rId6"/>
+    <p:sldLayoutId id="2147483701" r:id="rId7"/>
+    <p:sldLayoutId id="2147483702" r:id="rId8"/>
+    <p:sldLayoutId id="2147483703" r:id="rId9"/>
+    <p:sldLayoutId id="2147483704" r:id="rId10"/>
+    <p:sldLayoutId id="2147483705" r:id="rId11"/>
+    <p:sldLayoutId id="2147483706" r:id="rId12"/>
+    <p:sldLayoutId id="2147483707" r:id="rId13"/>
+    <p:sldLayoutId id="2147483708" r:id="rId14"/>
+    <p:sldLayoutId id="2147483709" r:id="rId15"/>
+    <p:sldLayoutId id="2147483710" r:id="rId16"/>
   </p:sldLayoutIdLst>
   <p:txStyles>
     <p:titleStyle>
@@ -6449,7 +6863,10 @@
               <a:rPr lang="zh-CN" altLang="en-US" dirty="0"/>
               <a:t>题目难度</a:t>
             </a:r>
-            <a:endParaRPr lang="en-US" altLang="zh-CN" dirty="0"/>
+            <a:r>
+              <a:rPr lang="en-US" altLang="zh-CN" dirty="0"/>
+              <a:t>+C</a:t>
+            </a:r>
           </a:p>
           <a:p>
             <a:endParaRPr lang="zh-CN" altLang="en-US" dirty="0"/>
@@ -6471,7 +6888,7 @@
           <p:nvPr/>
         </p:nvPicPr>
         <p:blipFill>
-          <a:blip r:embed="rId2"/>
+          <a:blip r:embed="rId3"/>
           <a:stretch>
             <a:fillRect/>
           </a:stretch>
@@ -6544,8 +6961,8 @@
           </a:p>
         </p:txBody>
       </p:sp>
-      <mc:AlternateContent xmlns:mc="http://schemas.openxmlformats.org/markup-compatibility/2006">
-        <mc:Choice xmlns:a14="http://schemas.microsoft.com/office/drawing/2010/main" Requires="a14">
+      <mc:AlternateContent xmlns:mc="http://schemas.openxmlformats.org/markup-compatibility/2006" xmlns:a14="http://schemas.microsoft.com/office/drawing/2010/main">
+        <mc:Choice Requires="a14">
           <p:sp>
             <p:nvSpPr>
               <p:cNvPr id="3" name="内容占位符 2">
@@ -6562,12 +6979,7 @@
                 <p:ph idx="1"/>
               </p:nvPr>
             </p:nvSpPr>
-            <p:spPr>
-              <a:xfrm>
-                <a:off x="677334" y="2160589"/>
-                <a:ext cx="8596668" cy="3880773"/>
-              </a:xfrm>
-            </p:spPr>
+            <p:spPr/>
             <p:txBody>
               <a:bodyPr/>
               <a:lstStyle/>
@@ -6696,7 +7108,7 @@
             </p:txBody>
           </p:sp>
         </mc:Choice>
-        <mc:Fallback>
+        <mc:Fallback xmlns="">
           <p:sp>
             <p:nvSpPr>
               <p:cNvPr id="3" name="内容占位符 2">
@@ -9245,4 +9657,299 @@
     </a:ext>
   </a:extLst>
 </a:theme>
+</file>
+
+<file path=ppt/theme/theme2.xml><?xml version="1.0" encoding="utf-8"?>
+<a:theme xmlns:a="http://schemas.openxmlformats.org/drawingml/2006/main" name="Office 主题​​">
+  <a:themeElements>
+    <a:clrScheme name="Office">
+      <a:dk1>
+        <a:sysClr val="windowText" lastClr="000000"/>
+      </a:dk1>
+      <a:lt1>
+        <a:sysClr val="window" lastClr="FFFFFF"/>
+      </a:lt1>
+      <a:dk2>
+        <a:srgbClr val="44546A"/>
+      </a:dk2>
+      <a:lt2>
+        <a:srgbClr val="E7E6E6"/>
+      </a:lt2>
+      <a:accent1>
+        <a:srgbClr val="4472C4"/>
+      </a:accent1>
+      <a:accent2>
+        <a:srgbClr val="ED7D31"/>
+      </a:accent2>
+      <a:accent3>
+        <a:srgbClr val="A5A5A5"/>
+      </a:accent3>
+      <a:accent4>
+        <a:srgbClr val="FFC000"/>
+      </a:accent4>
+      <a:accent5>
+        <a:srgbClr val="5B9BD5"/>
+      </a:accent5>
+      <a:accent6>
+        <a:srgbClr val="70AD47"/>
+      </a:accent6>
+      <a:hlink>
+        <a:srgbClr val="0563C1"/>
+      </a:hlink>
+      <a:folHlink>
+        <a:srgbClr val="954F72"/>
+      </a:folHlink>
+    </a:clrScheme>
+    <a:fontScheme name="Office">
+      <a:majorFont>
+        <a:latin typeface="等线 Light" panose="020F0302020204030204"/>
+        <a:ea typeface=""/>
+        <a:cs typeface=""/>
+        <a:font script="Jpan" typeface="游ゴシック Light"/>
+        <a:font script="Hang" typeface="맑은 고딕"/>
+        <a:font script="Hans" typeface="等线 Light"/>
+        <a:font script="Hant" typeface="新細明體"/>
+        <a:font script="Arab" typeface="Times New Roman"/>
+        <a:font script="Hebr" typeface="Times New Roman"/>
+        <a:font script="Thai" typeface="Angsana New"/>
+        <a:font script="Ethi" typeface="Nyala"/>
+        <a:font script="Beng" typeface="Vrinda"/>
+        <a:font script="Gujr" typeface="Shruti"/>
+        <a:font script="Khmr" typeface="MoolBoran"/>
+        <a:font script="Knda" typeface="Tunga"/>
+        <a:font script="Guru" typeface="Raavi"/>
+        <a:font script="Cans" typeface="Euphemia"/>
+        <a:font script="Cher" typeface="Plantagenet Cherokee"/>
+        <a:font script="Yiii" typeface="Microsoft Yi Baiti"/>
+        <a:font script="Tibt" typeface="Microsoft Himalaya"/>
+        <a:font script="Thaa" typeface="MV Boli"/>
+        <a:font script="Deva" typeface="Mangal"/>
+        <a:font script="Telu" typeface="Gautami"/>
+        <a:font script="Taml" typeface="Latha"/>
+        <a:font script="Syrc" typeface="Estrangelo Edessa"/>
+        <a:font script="Orya" typeface="Kalinga"/>
+        <a:font script="Mlym" typeface="Kartika"/>
+        <a:font script="Laoo" typeface="DokChampa"/>
+        <a:font script="Sinh" typeface="Iskoola Pota"/>
+        <a:font script="Mong" typeface="Mongolian Baiti"/>
+        <a:font script="Viet" typeface="Times New Roman"/>
+        <a:font script="Uigh" typeface="Microsoft Uighur"/>
+        <a:font script="Geor" typeface="Sylfaen"/>
+        <a:font script="Armn" typeface="Arial"/>
+        <a:font script="Bugi" typeface="Leelawadee UI"/>
+        <a:font script="Bopo" typeface="Microsoft JhengHei"/>
+        <a:font script="Java" typeface="Javanese Text"/>
+        <a:font script="Lisu" typeface="Segoe UI"/>
+        <a:font script="Mymr" typeface="Myanmar Text"/>
+        <a:font script="Nkoo" typeface="Ebrima"/>
+        <a:font script="Olck" typeface="Nirmala UI"/>
+        <a:font script="Osma" typeface="Ebrima"/>
+        <a:font script="Phag" typeface="Phagspa"/>
+        <a:font script="Syrn" typeface="Estrangelo Edessa"/>
+        <a:font script="Syrj" typeface="Estrangelo Edessa"/>
+        <a:font script="Syre" typeface="Estrangelo Edessa"/>
+        <a:font script="Sora" typeface="Nirmala UI"/>
+        <a:font script="Tale" typeface="Microsoft Tai Le"/>
+        <a:font script="Talu" typeface="Microsoft New Tai Lue"/>
+        <a:font script="Tfng" typeface="Ebrima"/>
+      </a:majorFont>
+      <a:minorFont>
+        <a:latin typeface="等线" panose="020F0502020204030204"/>
+        <a:ea typeface=""/>
+        <a:cs typeface=""/>
+        <a:font script="Jpan" typeface="游ゴシック"/>
+        <a:font script="Hang" typeface="맑은 고딕"/>
+        <a:font script="Hans" typeface="等线"/>
+        <a:font script="Hant" typeface="新細明體"/>
+        <a:font script="Arab" typeface="Arial"/>
+        <a:font script="Hebr" typeface="Arial"/>
+        <a:font script="Thai" typeface="Cordia New"/>
+        <a:font script="Ethi" typeface="Nyala"/>
+        <a:font script="Beng" typeface="Vrinda"/>
+        <a:font script="Gujr" typeface="Shruti"/>
+        <a:font script="Khmr" typeface="DaunPenh"/>
+        <a:font script="Knda" typeface="Tunga"/>
+        <a:font script="Guru" typeface="Raavi"/>
+        <a:font script="Cans" typeface="Euphemia"/>
+        <a:font script="Cher" typeface="Plantagenet Cherokee"/>
+        <a:font script="Yiii" typeface="Microsoft Yi Baiti"/>
+        <a:font script="Tibt" typeface="Microsoft Himalaya"/>
+        <a:font script="Thaa" typeface="MV Boli"/>
+        <a:font script="Deva" typeface="Mangal"/>
+        <a:font script="Telu" typeface="Gautami"/>
+        <a:font script="Taml" typeface="Latha"/>
+        <a:font script="Syrc" typeface="Estrangelo Edessa"/>
+        <a:font script="Orya" typeface="Kalinga"/>
+        <a:font script="Mlym" typeface="Kartika"/>
+        <a:font script="Laoo" typeface="DokChampa"/>
+        <a:font script="Sinh" typeface="Iskoola Pota"/>
+        <a:font script="Mong" typeface="Mongolian Baiti"/>
+        <a:font script="Viet" typeface="Arial"/>
+        <a:font script="Uigh" typeface="Microsoft Uighur"/>
+        <a:font script="Geor" typeface="Sylfaen"/>
+        <a:font script="Armn" typeface="Arial"/>
+        <a:font script="Bugi" typeface="Leelawadee UI"/>
+        <a:font script="Bopo" typeface="Microsoft JhengHei"/>
+        <a:font script="Java" typeface="Javanese Text"/>
+        <a:font script="Lisu" typeface="Segoe UI"/>
+        <a:font script="Mymr" typeface="Myanmar Text"/>
+        <a:font script="Nkoo" typeface="Ebrima"/>
+        <a:font script="Olck" typeface="Nirmala UI"/>
+        <a:font script="Osma" typeface="Ebrima"/>
+        <a:font script="Phag" typeface="Phagspa"/>
+        <a:font script="Syrn" typeface="Estrangelo Edessa"/>
+        <a:font script="Syrj" typeface="Estrangelo Edessa"/>
+        <a:font script="Syre" typeface="Estrangelo Edessa"/>
+        <a:font script="Sora" typeface="Nirmala UI"/>
+        <a:font script="Tale" typeface="Microsoft Tai Le"/>
+        <a:font script="Talu" typeface="Microsoft New Tai Lue"/>
+        <a:font script="Tfng" typeface="Ebrima"/>
+      </a:minorFont>
+    </a:fontScheme>
+    <a:fmtScheme name="Office">
+      <a:fillStyleLst>
+        <a:solidFill>
+          <a:schemeClr val="phClr"/>
+        </a:solidFill>
+        <a:gradFill rotWithShape="1">
+          <a:gsLst>
+            <a:gs pos="0">
+              <a:schemeClr val="phClr">
+                <a:lumMod val="110000"/>
+                <a:satMod val="105000"/>
+                <a:tint val="67000"/>
+              </a:schemeClr>
+            </a:gs>
+            <a:gs pos="50000">
+              <a:schemeClr val="phClr">
+                <a:lumMod val="105000"/>
+                <a:satMod val="103000"/>
+                <a:tint val="73000"/>
+              </a:schemeClr>
+            </a:gs>
+            <a:gs pos="100000">
+              <a:schemeClr val="phClr">
+                <a:lumMod val="105000"/>
+                <a:satMod val="109000"/>
+                <a:tint val="81000"/>
+              </a:schemeClr>
+            </a:gs>
+          </a:gsLst>
+          <a:lin ang="5400000" scaled="0"/>
+        </a:gradFill>
+        <a:gradFill rotWithShape="1">
+          <a:gsLst>
+            <a:gs pos="0">
+              <a:schemeClr val="phClr">
+                <a:satMod val="103000"/>
+                <a:lumMod val="102000"/>
+                <a:tint val="94000"/>
+              </a:schemeClr>
+            </a:gs>
+            <a:gs pos="50000">
+              <a:schemeClr val="phClr">
+                <a:satMod val="110000"/>
+                <a:lumMod val="100000"/>
+                <a:shade val="100000"/>
+              </a:schemeClr>
+            </a:gs>
+            <a:gs pos="100000">
+              <a:schemeClr val="phClr">
+                <a:lumMod val="99000"/>
+                <a:satMod val="120000"/>
+                <a:shade val="78000"/>
+              </a:schemeClr>
+            </a:gs>
+          </a:gsLst>
+          <a:lin ang="5400000" scaled="0"/>
+        </a:gradFill>
+      </a:fillStyleLst>
+      <a:lnStyleLst>
+        <a:ln w="6350" cap="flat" cmpd="sng" algn="ctr">
+          <a:solidFill>
+            <a:schemeClr val="phClr"/>
+          </a:solidFill>
+          <a:prstDash val="solid"/>
+          <a:miter lim="800000"/>
+        </a:ln>
+        <a:ln w="12700" cap="flat" cmpd="sng" algn="ctr">
+          <a:solidFill>
+            <a:schemeClr val="phClr"/>
+          </a:solidFill>
+          <a:prstDash val="solid"/>
+          <a:miter lim="800000"/>
+        </a:ln>
+        <a:ln w="19050" cap="flat" cmpd="sng" algn="ctr">
+          <a:solidFill>
+            <a:schemeClr val="phClr"/>
+          </a:solidFill>
+          <a:prstDash val="solid"/>
+          <a:miter lim="800000"/>
+        </a:ln>
+      </a:lnStyleLst>
+      <a:effectStyleLst>
+        <a:effectStyle>
+          <a:effectLst/>
+        </a:effectStyle>
+        <a:effectStyle>
+          <a:effectLst/>
+        </a:effectStyle>
+        <a:effectStyle>
+          <a:effectLst>
+            <a:outerShdw blurRad="57150" dist="19050" dir="5400000" algn="ctr" rotWithShape="0">
+              <a:srgbClr val="000000">
+                <a:alpha val="63000"/>
+              </a:srgbClr>
+            </a:outerShdw>
+          </a:effectLst>
+        </a:effectStyle>
+      </a:effectStyleLst>
+      <a:bgFillStyleLst>
+        <a:solidFill>
+          <a:schemeClr val="phClr"/>
+        </a:solidFill>
+        <a:solidFill>
+          <a:schemeClr val="phClr">
+            <a:tint val="95000"/>
+            <a:satMod val="170000"/>
+          </a:schemeClr>
+        </a:solidFill>
+        <a:gradFill rotWithShape="1">
+          <a:gsLst>
+            <a:gs pos="0">
+              <a:schemeClr val="phClr">
+                <a:tint val="93000"/>
+                <a:satMod val="150000"/>
+                <a:shade val="98000"/>
+                <a:lumMod val="102000"/>
+              </a:schemeClr>
+            </a:gs>
+            <a:gs pos="50000">
+              <a:schemeClr val="phClr">
+                <a:tint val="98000"/>
+                <a:satMod val="130000"/>
+                <a:shade val="90000"/>
+                <a:lumMod val="103000"/>
+              </a:schemeClr>
+            </a:gs>
+            <a:gs pos="100000">
+              <a:schemeClr val="phClr">
+                <a:shade val="63000"/>
+                <a:satMod val="120000"/>
+              </a:schemeClr>
+            </a:gs>
+          </a:gsLst>
+          <a:lin ang="5400000" scaled="0"/>
+        </a:gradFill>
+      </a:bgFillStyleLst>
+    </a:fmtScheme>
+  </a:themeElements>
+  <a:objectDefaults/>
+  <a:extraClrSchemeLst/>
+  <a:extLst>
+    <a:ext uri="{05A4C25C-085E-4340-85A3-A5531E510DB2}">
+      <thm15:themeFamily xmlns:thm15="http://schemas.microsoft.com/office/thememl/2012/main" name="Office Theme" id="{62F939B6-93AF-4DB8-9C6B-D6C7DFDC589F}" vid="{4A3C46E8-61CC-4603-A589-7422A47A8E4A}"/>
+    </a:ext>
+  </a:extLst>
+</a:theme>
 </file>
--- a/个性化ACM选手CodeForces题目推荐系统报告.pptx
+++ b/个性化ACM选手CodeForces题目推荐系统报告.pptx
@@ -5,7 +5,7 @@
     <p:sldMasterId id="2147483694" r:id="rId1"/>
   </p:sldMasterIdLst>
   <p:notesMasterIdLst>
-    <p:notesMasterId r:id="rId17"/>
+    <p:notesMasterId r:id="rId18"/>
   </p:notesMasterIdLst>
   <p:sldIdLst>
     <p:sldId id="256" r:id="rId2"/>
@@ -22,7 +22,8 @@
     <p:sldId id="268" r:id="rId13"/>
     <p:sldId id="270" r:id="rId14"/>
     <p:sldId id="272" r:id="rId15"/>
-    <p:sldId id="261" r:id="rId16"/>
+    <p:sldId id="273" r:id="rId16"/>
+    <p:sldId id="261" r:id="rId17"/>
   </p:sldIdLst>
   <p:sldSz cx="12192000" cy="6858000"/>
   <p:notesSz cx="6858000" cy="9144000"/>
@@ -584,7 +585,7 @@
           <a:p>
             <a:fld id="{04ED5014-7498-40FE-AE17-6CCEFFB81EA3}" type="datetimeFigureOut">
               <a:rPr lang="zh-CN" altLang="en-US" smtClean="0"/>
-              <a:t>2018/5/27</a:t>
+              <a:t>2018/6/12</a:t>
             </a:fld>
             <a:endParaRPr lang="zh-CN" altLang="en-US"/>
           </a:p>
@@ -1657,7 +1658,7 @@
           <a:p>
             <a:fld id="{2492F5DF-E794-44E3-9EB1-8526CFEDE6B8}" type="datetimeFigureOut">
               <a:rPr lang="zh-CN" altLang="en-US" smtClean="0"/>
-              <a:t>2018/5/27</a:t>
+              <a:t>2018/6/12</a:t>
             </a:fld>
             <a:endParaRPr lang="zh-CN" altLang="en-US"/>
           </a:p>
@@ -1908,7 +1909,7 @@
           <a:p>
             <a:fld id="{2492F5DF-E794-44E3-9EB1-8526CFEDE6B8}" type="datetimeFigureOut">
               <a:rPr lang="zh-CN" altLang="en-US" smtClean="0"/>
-              <a:t>2018/5/27</a:t>
+              <a:t>2018/6/12</a:t>
             </a:fld>
             <a:endParaRPr lang="zh-CN" altLang="en-US"/>
           </a:p>
@@ -2222,7 +2223,7 @@
           <a:p>
             <a:fld id="{2492F5DF-E794-44E3-9EB1-8526CFEDE6B8}" type="datetimeFigureOut">
               <a:rPr lang="zh-CN" altLang="en-US" smtClean="0"/>
-              <a:t>2018/5/27</a:t>
+              <a:t>2018/6/12</a:t>
             </a:fld>
             <a:endParaRPr lang="zh-CN" altLang="en-US"/>
           </a:p>
@@ -2563,7 +2564,7 @@
           <a:p>
             <a:fld id="{2492F5DF-E794-44E3-9EB1-8526CFEDE6B8}" type="datetimeFigureOut">
               <a:rPr lang="zh-CN" altLang="en-US" smtClean="0"/>
-              <a:t>2018/5/27</a:t>
+              <a:t>2018/6/12</a:t>
             </a:fld>
             <a:endParaRPr lang="zh-CN" altLang="en-US"/>
           </a:p>
@@ -2877,7 +2878,7 @@
           <a:p>
             <a:fld id="{2492F5DF-E794-44E3-9EB1-8526CFEDE6B8}" type="datetimeFigureOut">
               <a:rPr lang="zh-CN" altLang="en-US" smtClean="0"/>
-              <a:t>2018/5/27</a:t>
+              <a:t>2018/6/12</a:t>
             </a:fld>
             <a:endParaRPr lang="zh-CN" altLang="en-US"/>
           </a:p>
@@ -3270,7 +3271,7 @@
           <a:p>
             <a:fld id="{2492F5DF-E794-44E3-9EB1-8526CFEDE6B8}" type="datetimeFigureOut">
               <a:rPr lang="zh-CN" altLang="en-US" smtClean="0"/>
-              <a:t>2018/5/27</a:t>
+              <a:t>2018/6/12</a:t>
             </a:fld>
             <a:endParaRPr lang="zh-CN" altLang="en-US"/>
           </a:p>
@@ -3440,7 +3441,7 @@
           <a:p>
             <a:fld id="{2492F5DF-E794-44E3-9EB1-8526CFEDE6B8}" type="datetimeFigureOut">
               <a:rPr lang="zh-CN" altLang="en-US" smtClean="0"/>
-              <a:t>2018/5/27</a:t>
+              <a:t>2018/6/12</a:t>
             </a:fld>
             <a:endParaRPr lang="zh-CN" altLang="en-US"/>
           </a:p>
@@ -3620,7 +3621,7 @@
           <a:p>
             <a:fld id="{2492F5DF-E794-44E3-9EB1-8526CFEDE6B8}" type="datetimeFigureOut">
               <a:rPr lang="zh-CN" altLang="en-US" smtClean="0"/>
-              <a:t>2018/5/27</a:t>
+              <a:t>2018/6/12</a:t>
             </a:fld>
             <a:endParaRPr lang="zh-CN" altLang="en-US"/>
           </a:p>
@@ -3796,7 +3797,7 @@
           <a:p>
             <a:fld id="{2492F5DF-E794-44E3-9EB1-8526CFEDE6B8}" type="datetimeFigureOut">
               <a:rPr lang="zh-CN" altLang="en-US" smtClean="0"/>
-              <a:t>2018/5/27</a:t>
+              <a:t>2018/6/12</a:t>
             </a:fld>
             <a:endParaRPr lang="zh-CN" altLang="en-US"/>
           </a:p>
@@ -4043,7 +4044,7 @@
           <a:p>
             <a:fld id="{2492F5DF-E794-44E3-9EB1-8526CFEDE6B8}" type="datetimeFigureOut">
               <a:rPr lang="zh-CN" altLang="en-US" smtClean="0"/>
-              <a:t>2018/5/27</a:t>
+              <a:t>2018/6/12</a:t>
             </a:fld>
             <a:endParaRPr lang="zh-CN" altLang="en-US"/>
           </a:p>
@@ -4275,7 +4276,7 @@
           <a:p>
             <a:fld id="{2492F5DF-E794-44E3-9EB1-8526CFEDE6B8}" type="datetimeFigureOut">
               <a:rPr lang="zh-CN" altLang="en-US" smtClean="0"/>
-              <a:t>2018/5/27</a:t>
+              <a:t>2018/6/12</a:t>
             </a:fld>
             <a:endParaRPr lang="zh-CN" altLang="en-US"/>
           </a:p>
@@ -4649,7 +4650,7 @@
           <a:p>
             <a:fld id="{2492F5DF-E794-44E3-9EB1-8526CFEDE6B8}" type="datetimeFigureOut">
               <a:rPr lang="zh-CN" altLang="en-US" smtClean="0"/>
-              <a:t>2018/5/27</a:t>
+              <a:t>2018/6/12</a:t>
             </a:fld>
             <a:endParaRPr lang="zh-CN" altLang="en-US"/>
           </a:p>
@@ -4772,7 +4773,7 @@
           <a:p>
             <a:fld id="{2492F5DF-E794-44E3-9EB1-8526CFEDE6B8}" type="datetimeFigureOut">
               <a:rPr lang="zh-CN" altLang="en-US" smtClean="0"/>
-              <a:t>2018/5/27</a:t>
+              <a:t>2018/6/12</a:t>
             </a:fld>
             <a:endParaRPr lang="zh-CN" altLang="en-US"/>
           </a:p>
@@ -4867,7 +4868,7 @@
           <a:p>
             <a:fld id="{2492F5DF-E794-44E3-9EB1-8526CFEDE6B8}" type="datetimeFigureOut">
               <a:rPr lang="zh-CN" altLang="en-US" smtClean="0"/>
-              <a:t>2018/5/27</a:t>
+              <a:t>2018/6/12</a:t>
             </a:fld>
             <a:endParaRPr lang="zh-CN" altLang="en-US"/>
           </a:p>
@@ -5122,7 +5123,7 @@
           <a:p>
             <a:fld id="{2492F5DF-E794-44E3-9EB1-8526CFEDE6B8}" type="datetimeFigureOut">
               <a:rPr lang="zh-CN" altLang="en-US" smtClean="0"/>
-              <a:t>2018/5/27</a:t>
+              <a:t>2018/6/12</a:t>
             </a:fld>
             <a:endParaRPr lang="zh-CN" altLang="en-US"/>
           </a:p>
@@ -5385,7 +5386,7 @@
           <a:p>
             <a:fld id="{2492F5DF-E794-44E3-9EB1-8526CFEDE6B8}" type="datetimeFigureOut">
               <a:rPr lang="zh-CN" altLang="en-US" smtClean="0"/>
-              <a:t>2018/5/27</a:t>
+              <a:t>2018/6/12</a:t>
             </a:fld>
             <a:endParaRPr lang="zh-CN" altLang="en-US"/>
           </a:p>
@@ -6128,7 +6129,7 @@
           <a:p>
             <a:fld id="{2492F5DF-E794-44E3-9EB1-8526CFEDE6B8}" type="datetimeFigureOut">
               <a:rPr lang="zh-CN" altLang="en-US" smtClean="0"/>
-              <a:t>2018/5/27</a:t>
+              <a:t>2018/6/12</a:t>
             </a:fld>
             <a:endParaRPr lang="zh-CN" altLang="en-US"/>
           </a:p>
@@ -8282,10 +8283,10 @@
       </p:sp>
       <p:pic>
         <p:nvPicPr>
-          <p:cNvPr id="8" name="内容占位符 7">
+          <p:cNvPr id="6" name="内容占位符 5">
             <a:extLst>
               <a:ext uri="{FF2B5EF4-FFF2-40B4-BE49-F238E27FC236}">
-                <a16:creationId xmlns:a16="http://schemas.microsoft.com/office/drawing/2014/main" id="{53DF5437-20FA-432B-A2B7-E148825383D1}"/>
+                <a16:creationId xmlns:a16="http://schemas.microsoft.com/office/drawing/2014/main" id="{94B49F0A-5F69-411B-AD3C-709C55E89D86}"/>
               </a:ext>
             </a:extLst>
           </p:cNvPr>
@@ -8304,8 +8305,8 @@
         </p:blipFill>
         <p:spPr>
           <a:xfrm>
-            <a:off x="677334" y="2124238"/>
-            <a:ext cx="8596312" cy="1734720"/>
+            <a:off x="677334" y="2592766"/>
+            <a:ext cx="8596312" cy="1672467"/>
           </a:xfrm>
           <a:prstGeom prst="rect">
             <a:avLst/>
@@ -8344,6 +8345,96 @@
       </p:grpSpPr>
       <p:sp>
         <p:nvSpPr>
+          <p:cNvPr id="2" name="标题 1">
+            <a:extLst>
+              <a:ext uri="{FF2B5EF4-FFF2-40B4-BE49-F238E27FC236}">
+                <a16:creationId xmlns:a16="http://schemas.microsoft.com/office/drawing/2014/main" id="{20C15B47-585C-411C-B24D-69B6BEDBBDAB}"/>
+              </a:ext>
+            </a:extLst>
+          </p:cNvPr>
+          <p:cNvSpPr>
+            <a:spLocks noGrp="1"/>
+          </p:cNvSpPr>
+          <p:nvPr>
+            <p:ph type="title"/>
+          </p:nvPr>
+        </p:nvSpPr>
+        <p:spPr/>
+        <p:txBody>
+          <a:bodyPr/>
+          <a:lstStyle/>
+          <a:p>
+            <a:r>
+              <a:rPr lang="zh-CN" altLang="en-US" dirty="0"/>
+              <a:t>应用样例</a:t>
+            </a:r>
+          </a:p>
+        </p:txBody>
+      </p:sp>
+      <p:pic>
+        <p:nvPicPr>
+          <p:cNvPr id="4" name="内容占位符 3">
+            <a:extLst>
+              <a:ext uri="{FF2B5EF4-FFF2-40B4-BE49-F238E27FC236}">
+                <a16:creationId xmlns:a16="http://schemas.microsoft.com/office/drawing/2014/main" id="{6AC02483-ACA5-4733-BA75-98FB92E8157D}"/>
+              </a:ext>
+            </a:extLst>
+          </p:cNvPr>
+          <p:cNvPicPr>
+            <a:picLocks noGrp="1" noChangeAspect="1"/>
+          </p:cNvPicPr>
+          <p:nvPr>
+            <p:ph idx="1"/>
+          </p:nvPr>
+        </p:nvPicPr>
+        <p:blipFill>
+          <a:blip r:embed="rId2"/>
+          <a:stretch>
+            <a:fillRect/>
+          </a:stretch>
+        </p:blipFill>
+        <p:spPr>
+          <a:xfrm>
+            <a:off x="1420504" y="2160588"/>
+            <a:ext cx="7111029" cy="3881437"/>
+          </a:xfrm>
+          <a:prstGeom prst="rect">
+            <a:avLst/>
+          </a:prstGeom>
+        </p:spPr>
+      </p:pic>
+    </p:spTree>
+    <p:extLst>
+      <p:ext uri="{BB962C8B-B14F-4D97-AF65-F5344CB8AC3E}">
+        <p14:creationId xmlns:p14="http://schemas.microsoft.com/office/powerpoint/2010/main" val="1073263659"/>
+      </p:ext>
+    </p:extLst>
+  </p:cSld>
+  <p:clrMapOvr>
+    <a:masterClrMapping/>
+  </p:clrMapOvr>
+</p:sld>
+</file>
+
+<file path=ppt/slides/slide16.xml><?xml version="1.0" encoding="utf-8"?>
+<p:sld xmlns:a="http://schemas.openxmlformats.org/drawingml/2006/main" xmlns:r="http://schemas.openxmlformats.org/officeDocument/2006/relationships" xmlns:p="http://schemas.openxmlformats.org/presentationml/2006/main">
+  <p:cSld>
+    <p:spTree>
+      <p:nvGrpSpPr>
+        <p:cNvPr id="1" name=""/>
+        <p:cNvGrpSpPr/>
+        <p:nvPr/>
+      </p:nvGrpSpPr>
+      <p:grpSpPr>
+        <a:xfrm>
+          <a:off x="0" y="0"/>
+          <a:ext cx="0" cy="0"/>
+          <a:chOff x="0" y="0"/>
+          <a:chExt cx="0" cy="0"/>
+        </a:xfrm>
+      </p:grpSpPr>
+      <p:sp>
+        <p:nvSpPr>
           <p:cNvPr id="4" name="标题 3"/>
           <p:cNvSpPr>
             <a:spLocks noGrp="1"/>
@@ -9002,13 +9093,6 @@
           </a:p>
           <a:p>
             <a:r>
-              <a:rPr lang="zh-CN" altLang="en-US" dirty="0"/>
-              <a:t>后续完善：</a:t>
-            </a:r>
-            <a:endParaRPr lang="en-US" altLang="zh-CN" dirty="0"/>
-          </a:p>
-          <a:p>
-            <a:r>
               <a:rPr lang="en-US" altLang="zh-CN" dirty="0"/>
               <a:t>13~14</a:t>
             </a:r>
@@ -9028,17 +9112,9 @@
           </a:p>
           <a:p>
             <a:r>
-              <a:rPr lang="en-US" altLang="zh-CN" dirty="0"/>
-              <a:t>15</a:t>
-            </a:r>
-            <a:r>
               <a:rPr lang="zh-CN" altLang="en-US" dirty="0"/>
-              <a:t>周及之后：推广最终产品并根据用户反馈改进产品</a:t>
-            </a:r>
-            <a:endParaRPr lang="en-US" altLang="zh-CN" dirty="0"/>
-          </a:p>
-          <a:p>
-            <a:endParaRPr lang="zh-CN" altLang="en-US" dirty="0"/>
+              <a:t>后续：爬取更详细数据来提高模型效果</a:t>
+            </a:r>
           </a:p>
         </p:txBody>
       </p:sp>
